--- a/Customer Churn.pptx
+++ b/Customer Churn.pptx
@@ -2,17 +2,16 @@
 <file path=ppt/presentation.xml><?xml version="1.0" encoding="utf-8"?>
 <p:presentation xmlns:a="http://schemas.openxmlformats.org/drawingml/2006/main" xmlns:r="http://schemas.openxmlformats.org/officeDocument/2006/relationships" xmlns:p="http://schemas.openxmlformats.org/presentationml/2006/main" saveSubsetFonts="1" autoCompressPictures="0">
   <p:sldMasterIdLst>
-    <p:sldMasterId id="2147483660" r:id="rId1"/>
+    <p:sldMasterId id="2147483648" r:id="rId4"/>
   </p:sldMasterIdLst>
-  <p:notesMasterIdLst>
-    <p:notesMasterId r:id="rId4"/>
-  </p:notesMasterIdLst>
   <p:sldIdLst>
-    <p:sldId id="256" r:id="rId2"/>
-    <p:sldId id="257" r:id="rId3"/>
+    <p:sldId id="256" r:id="rId5"/>
   </p:sldIdLst>
   <p:sldSz cx="12192000" cy="6858000"/>
   <p:notesSz cx="6858000" cy="9144000"/>
+  <p:custDataLst>
+    <p:tags r:id="rId6"/>
+  </p:custDataLst>
   <p:defaultTextStyle>
     <a:defPPr>
       <a:defRPr lang="en-US"/>
@@ -116,547 +115,12 @@
 </p:presentation>
 </file>
 
-<file path=ppt/notesMasters/notesMaster1.xml><?xml version="1.0" encoding="utf-8"?>
-<p:notesMaster xmlns:a="http://schemas.openxmlformats.org/drawingml/2006/main" xmlns:r="http://schemas.openxmlformats.org/officeDocument/2006/relationships" xmlns:p="http://schemas.openxmlformats.org/presentationml/2006/main">
-  <p:cSld>
-    <p:bg>
-      <p:bgRef idx="1001">
-        <a:schemeClr val="bg1"/>
-      </p:bgRef>
-    </p:bg>
-    <p:spTree>
-      <p:nvGrpSpPr>
-        <p:cNvPr id="1" name=""/>
-        <p:cNvGrpSpPr/>
-        <p:nvPr/>
-      </p:nvGrpSpPr>
-      <p:grpSpPr>
-        <a:xfrm>
-          <a:off x="0" y="0"/>
-          <a:ext cx="0" cy="0"/>
-          <a:chOff x="0" y="0"/>
-          <a:chExt cx="0" cy="0"/>
-        </a:xfrm>
-      </p:grpSpPr>
-      <p:sp>
-        <p:nvSpPr>
-          <p:cNvPr id="2" name="Header Placeholder 1"/>
-          <p:cNvSpPr>
-            <a:spLocks noGrp="1"/>
-          </p:cNvSpPr>
-          <p:nvPr>
-            <p:ph type="hdr" sz="quarter"/>
-          </p:nvPr>
-        </p:nvSpPr>
-        <p:spPr>
-          <a:xfrm>
-            <a:off x="0" y="0"/>
-            <a:ext cx="2971800" cy="458788"/>
-          </a:xfrm>
-          <a:prstGeom prst="rect">
-            <a:avLst/>
-          </a:prstGeom>
-        </p:spPr>
-        <p:txBody>
-          <a:bodyPr vert="horz" lIns="91440" tIns="45720" rIns="91440" bIns="45720" rtlCol="0"/>
-          <a:lstStyle>
-            <a:lvl1pPr algn="l">
-              <a:defRPr sz="1200"/>
-            </a:lvl1pPr>
-          </a:lstStyle>
-          <a:p>
-            <a:endParaRPr lang="en-US"/>
-          </a:p>
-        </p:txBody>
-      </p:sp>
-      <p:sp>
-        <p:nvSpPr>
-          <p:cNvPr id="3" name="Date Placeholder 2"/>
-          <p:cNvSpPr>
-            <a:spLocks noGrp="1"/>
-          </p:cNvSpPr>
-          <p:nvPr>
-            <p:ph type="dt" idx="1"/>
-          </p:nvPr>
-        </p:nvSpPr>
-        <p:spPr>
-          <a:xfrm>
-            <a:off x="3884613" y="0"/>
-            <a:ext cx="2971800" cy="458788"/>
-          </a:xfrm>
-          <a:prstGeom prst="rect">
-            <a:avLst/>
-          </a:prstGeom>
-        </p:spPr>
-        <p:txBody>
-          <a:bodyPr vert="horz" lIns="91440" tIns="45720" rIns="91440" bIns="45720" rtlCol="0"/>
-          <a:lstStyle>
-            <a:lvl1pPr algn="r">
-              <a:defRPr sz="1200"/>
-            </a:lvl1pPr>
-          </a:lstStyle>
-          <a:p>
-            <a:fld id="{443D82EC-71A4-7048-A0EF-A5C5F10A6049}" type="datetimeFigureOut">
-              <a:rPr lang="en-US" smtClean="0"/>
-              <a:t>12/30/22</a:t>
-            </a:fld>
-            <a:endParaRPr lang="en-US"/>
-          </a:p>
-        </p:txBody>
-      </p:sp>
-      <p:sp>
-        <p:nvSpPr>
-          <p:cNvPr id="4" name="Slide Image Placeholder 3"/>
-          <p:cNvSpPr>
-            <a:spLocks noGrp="1" noRot="1" noChangeAspect="1"/>
-          </p:cNvSpPr>
-          <p:nvPr>
-            <p:ph type="sldImg" idx="2"/>
-          </p:nvPr>
-        </p:nvSpPr>
-        <p:spPr>
-          <a:xfrm>
-            <a:off x="685800" y="1143000"/>
-            <a:ext cx="5486400" cy="3086100"/>
-          </a:xfrm>
-          <a:prstGeom prst="rect">
-            <a:avLst/>
-          </a:prstGeom>
-          <a:noFill/>
-          <a:ln w="12700">
-            <a:solidFill>
-              <a:prstClr val="black"/>
-            </a:solidFill>
-          </a:ln>
-        </p:spPr>
-        <p:txBody>
-          <a:bodyPr vert="horz" lIns="91440" tIns="45720" rIns="91440" bIns="45720" rtlCol="0" anchor="ctr"/>
-          <a:lstStyle/>
-          <a:p>
-            <a:endParaRPr lang="en-US"/>
-          </a:p>
-        </p:txBody>
-      </p:sp>
-      <p:sp>
-        <p:nvSpPr>
-          <p:cNvPr id="5" name="Notes Placeholder 4"/>
-          <p:cNvSpPr>
-            <a:spLocks noGrp="1"/>
-          </p:cNvSpPr>
-          <p:nvPr>
-            <p:ph type="body" sz="quarter" idx="3"/>
-          </p:nvPr>
-        </p:nvSpPr>
-        <p:spPr>
-          <a:xfrm>
-            <a:off x="685800" y="4400550"/>
-            <a:ext cx="5486400" cy="3600450"/>
-          </a:xfrm>
-          <a:prstGeom prst="rect">
-            <a:avLst/>
-          </a:prstGeom>
-        </p:spPr>
-        <p:txBody>
-          <a:bodyPr vert="horz" lIns="91440" tIns="45720" rIns="91440" bIns="45720" rtlCol="0"/>
-          <a:lstStyle/>
-          <a:p>
-            <a:pPr lvl="0"/>
-            <a:r>
-              <a:rPr lang="en-US"/>
-              <a:t>Edit Master text styles</a:t>
-            </a:r>
-          </a:p>
-          <a:p>
-            <a:pPr lvl="1"/>
-            <a:r>
-              <a:rPr lang="en-US"/>
-              <a:t>Second level</a:t>
-            </a:r>
-          </a:p>
-          <a:p>
-            <a:pPr lvl="2"/>
-            <a:r>
-              <a:rPr lang="en-US"/>
-              <a:t>Third level</a:t>
-            </a:r>
-          </a:p>
-          <a:p>
-            <a:pPr lvl="3"/>
-            <a:r>
-              <a:rPr lang="en-US"/>
-              <a:t>Fourth level</a:t>
-            </a:r>
-          </a:p>
-          <a:p>
-            <a:pPr lvl="4"/>
-            <a:r>
-              <a:rPr lang="en-US"/>
-              <a:t>Fifth level</a:t>
-            </a:r>
-          </a:p>
-        </p:txBody>
-      </p:sp>
-      <p:sp>
-        <p:nvSpPr>
-          <p:cNvPr id="6" name="Footer Placeholder 5"/>
-          <p:cNvSpPr>
-            <a:spLocks noGrp="1"/>
-          </p:cNvSpPr>
-          <p:nvPr>
-            <p:ph type="ftr" sz="quarter" idx="4"/>
-          </p:nvPr>
-        </p:nvSpPr>
-        <p:spPr>
-          <a:xfrm>
-            <a:off x="0" y="8685213"/>
-            <a:ext cx="2971800" cy="458787"/>
-          </a:xfrm>
-          <a:prstGeom prst="rect">
-            <a:avLst/>
-          </a:prstGeom>
-        </p:spPr>
-        <p:txBody>
-          <a:bodyPr vert="horz" lIns="91440" tIns="45720" rIns="91440" bIns="45720" rtlCol="0" anchor="b"/>
-          <a:lstStyle>
-            <a:lvl1pPr algn="l">
-              <a:defRPr sz="1200"/>
-            </a:lvl1pPr>
-          </a:lstStyle>
-          <a:p>
-            <a:endParaRPr lang="en-US"/>
-          </a:p>
-        </p:txBody>
-      </p:sp>
-      <p:sp>
-        <p:nvSpPr>
-          <p:cNvPr id="7" name="Slide Number Placeholder 6"/>
-          <p:cNvSpPr>
-            <a:spLocks noGrp="1"/>
-          </p:cNvSpPr>
-          <p:nvPr>
-            <p:ph type="sldNum" sz="quarter" idx="5"/>
-          </p:nvPr>
-        </p:nvSpPr>
-        <p:spPr>
-          <a:xfrm>
-            <a:off x="3884613" y="8685213"/>
-            <a:ext cx="2971800" cy="458787"/>
-          </a:xfrm>
-          <a:prstGeom prst="rect">
-            <a:avLst/>
-          </a:prstGeom>
-        </p:spPr>
-        <p:txBody>
-          <a:bodyPr vert="horz" lIns="91440" tIns="45720" rIns="91440" bIns="45720" rtlCol="0" anchor="b"/>
-          <a:lstStyle>
-            <a:lvl1pPr algn="r">
-              <a:defRPr sz="1200"/>
-            </a:lvl1pPr>
-          </a:lstStyle>
-          <a:p>
-            <a:fld id="{D9CC811E-03E8-1045-90BE-A27B6972BAA2}" type="slidenum">
-              <a:rPr lang="en-US" smtClean="0"/>
-              <a:t>‹#›</a:t>
-            </a:fld>
-            <a:endParaRPr lang="en-US"/>
-          </a:p>
-        </p:txBody>
-      </p:sp>
-    </p:spTree>
-    <p:extLst>
-      <p:ext uri="{BB962C8B-B14F-4D97-AF65-F5344CB8AC3E}">
-        <p14:creationId xmlns:p14="http://schemas.microsoft.com/office/powerpoint/2010/main" val="3444435118"/>
-      </p:ext>
-    </p:extLst>
-  </p:cSld>
-  <p:clrMap bg1="lt1" tx1="dk1" bg2="lt2" tx2="dk2" accent1="accent1" accent2="accent2" accent3="accent3" accent4="accent4" accent5="accent5" accent6="accent6" hlink="hlink" folHlink="folHlink"/>
-  <p:notesStyle>
-    <a:lvl1pPr marL="0" algn="l" defTabSz="914400" rtl="0" eaLnBrk="1" latinLnBrk="0" hangingPunct="1">
-      <a:defRPr sz="1200" kern="1200">
-        <a:solidFill>
-          <a:schemeClr val="tx1"/>
-        </a:solidFill>
-        <a:latin typeface="+mn-lt"/>
-        <a:ea typeface="+mn-ea"/>
-        <a:cs typeface="+mn-cs"/>
-      </a:defRPr>
-    </a:lvl1pPr>
-    <a:lvl2pPr marL="457200" algn="l" defTabSz="914400" rtl="0" eaLnBrk="1" latinLnBrk="0" hangingPunct="1">
-      <a:defRPr sz="1200" kern="1200">
-        <a:solidFill>
-          <a:schemeClr val="tx1"/>
-        </a:solidFill>
-        <a:latin typeface="+mn-lt"/>
-        <a:ea typeface="+mn-ea"/>
-        <a:cs typeface="+mn-cs"/>
-      </a:defRPr>
-    </a:lvl2pPr>
-    <a:lvl3pPr marL="914400" algn="l" defTabSz="914400" rtl="0" eaLnBrk="1" latinLnBrk="0" hangingPunct="1">
-      <a:defRPr sz="1200" kern="1200">
-        <a:solidFill>
-          <a:schemeClr val="tx1"/>
-        </a:solidFill>
-        <a:latin typeface="+mn-lt"/>
-        <a:ea typeface="+mn-ea"/>
-        <a:cs typeface="+mn-cs"/>
-      </a:defRPr>
-    </a:lvl3pPr>
-    <a:lvl4pPr marL="1371600" algn="l" defTabSz="914400" rtl="0" eaLnBrk="1" latinLnBrk="0" hangingPunct="1">
-      <a:defRPr sz="1200" kern="1200">
-        <a:solidFill>
-          <a:schemeClr val="tx1"/>
-        </a:solidFill>
-        <a:latin typeface="+mn-lt"/>
-        <a:ea typeface="+mn-ea"/>
-        <a:cs typeface="+mn-cs"/>
-      </a:defRPr>
-    </a:lvl4pPr>
-    <a:lvl5pPr marL="1828800" algn="l" defTabSz="914400" rtl="0" eaLnBrk="1" latinLnBrk="0" hangingPunct="1">
-      <a:defRPr sz="1200" kern="1200">
-        <a:solidFill>
-          <a:schemeClr val="tx1"/>
-        </a:solidFill>
-        <a:latin typeface="+mn-lt"/>
-        <a:ea typeface="+mn-ea"/>
-        <a:cs typeface="+mn-cs"/>
-      </a:defRPr>
-    </a:lvl5pPr>
-    <a:lvl6pPr marL="2286000" algn="l" defTabSz="914400" rtl="0" eaLnBrk="1" latinLnBrk="0" hangingPunct="1">
-      <a:defRPr sz="1200" kern="1200">
-        <a:solidFill>
-          <a:schemeClr val="tx1"/>
-        </a:solidFill>
-        <a:latin typeface="+mn-lt"/>
-        <a:ea typeface="+mn-ea"/>
-        <a:cs typeface="+mn-cs"/>
-      </a:defRPr>
-    </a:lvl6pPr>
-    <a:lvl7pPr marL="2743200" algn="l" defTabSz="914400" rtl="0" eaLnBrk="1" latinLnBrk="0" hangingPunct="1">
-      <a:defRPr sz="1200" kern="1200">
-        <a:solidFill>
-          <a:schemeClr val="tx1"/>
-        </a:solidFill>
-        <a:latin typeface="+mn-lt"/>
-        <a:ea typeface="+mn-ea"/>
-        <a:cs typeface="+mn-cs"/>
-      </a:defRPr>
-    </a:lvl7pPr>
-    <a:lvl8pPr marL="3200400" algn="l" defTabSz="914400" rtl="0" eaLnBrk="1" latinLnBrk="0" hangingPunct="1">
-      <a:defRPr sz="1200" kern="1200">
-        <a:solidFill>
-          <a:schemeClr val="tx1"/>
-        </a:solidFill>
-        <a:latin typeface="+mn-lt"/>
-        <a:ea typeface="+mn-ea"/>
-        <a:cs typeface="+mn-cs"/>
-      </a:defRPr>
-    </a:lvl8pPr>
-    <a:lvl9pPr marL="3657600" algn="l" defTabSz="914400" rtl="0" eaLnBrk="1" latinLnBrk="0" hangingPunct="1">
-      <a:defRPr sz="1200" kern="1200">
-        <a:solidFill>
-          <a:schemeClr val="tx1"/>
-        </a:solidFill>
-        <a:latin typeface="+mn-lt"/>
-        <a:ea typeface="+mn-ea"/>
-        <a:cs typeface="+mn-cs"/>
-      </a:defRPr>
-    </a:lvl9pPr>
-  </p:notesStyle>
-</p:notesMaster>
-</file>
-
-<file path=ppt/notesSlides/notesSlide1.xml><?xml version="1.0" encoding="utf-8"?>
-<p:notes xmlns:a="http://schemas.openxmlformats.org/drawingml/2006/main" xmlns:r="http://schemas.openxmlformats.org/officeDocument/2006/relationships" xmlns:p="http://schemas.openxmlformats.org/presentationml/2006/main">
-  <p:cSld>
-    <p:spTree>
-      <p:nvGrpSpPr>
-        <p:cNvPr id="1" name=""/>
-        <p:cNvGrpSpPr/>
-        <p:nvPr/>
-      </p:nvGrpSpPr>
-      <p:grpSpPr>
-        <a:xfrm>
-          <a:off x="0" y="0"/>
-          <a:ext cx="0" cy="0"/>
-          <a:chOff x="0" y="0"/>
-          <a:chExt cx="0" cy="0"/>
-        </a:xfrm>
-      </p:grpSpPr>
-      <p:sp>
-        <p:nvSpPr>
-          <p:cNvPr id="2" name="Slide Text"/>
-          <p:cNvSpPr>
-            <a:spLocks noGrp="1"/>
-          </p:cNvSpPr>
-          <p:nvPr>
-            <p:ph type="body" idx="1"/>
-          </p:nvPr>
-        </p:nvSpPr>
-        <p:spPr/>
-        <p:txBody>
-          <a:bodyPr/>
-          <a:lstStyle/>
-          <a:p>
-            <a:r>
-              <a:rPr b="1" dirty="0"/>
-              <a:t>card</a:t>
-            </a:r>
-            <a:endParaRPr dirty="0"/>
-          </a:p>
-          <a:p>
-            <a:r>
-              <a:rPr b="0" dirty="0"/>
-              <a:t>No alt text provided</a:t>
-            </a:r>
-            <a:endParaRPr dirty="0"/>
-          </a:p>
-          <a:p>
-            <a:endParaRPr dirty="0"/>
-          </a:p>
-          <a:p>
-            <a:r>
-              <a:rPr b="1" dirty="0"/>
-              <a:t>card</a:t>
-            </a:r>
-            <a:endParaRPr dirty="0"/>
-          </a:p>
-          <a:p>
-            <a:r>
-              <a:rPr b="0" dirty="0"/>
-              <a:t>No alt text provided</a:t>
-            </a:r>
-            <a:endParaRPr dirty="0"/>
-          </a:p>
-          <a:p>
-            <a:endParaRPr dirty="0"/>
-          </a:p>
-          <a:p>
-            <a:r>
-              <a:rPr b="1" dirty="0"/>
-              <a:t>Churned Customers by Region</a:t>
-            </a:r>
-            <a:endParaRPr dirty="0"/>
-          </a:p>
-          <a:p>
-            <a:r>
-              <a:rPr b="0" dirty="0"/>
-              <a:t>No alt text provided</a:t>
-            </a:r>
-            <a:endParaRPr dirty="0"/>
-          </a:p>
-          <a:p>
-            <a:endParaRPr dirty="0"/>
-          </a:p>
-          <a:p>
-            <a:r>
-              <a:rPr b="1" dirty="0"/>
-              <a:t>Reason of Churn</a:t>
-            </a:r>
-            <a:endParaRPr dirty="0"/>
-          </a:p>
-          <a:p>
-            <a:r>
-              <a:rPr b="0" dirty="0"/>
-              <a:t>No alt text provided</a:t>
-            </a:r>
-            <a:endParaRPr dirty="0"/>
-          </a:p>
-          <a:p>
-            <a:endParaRPr dirty="0"/>
-          </a:p>
-          <a:p>
-            <a:r>
-              <a:rPr b="1" dirty="0"/>
-              <a:t>lineStackedColumnComboChart</a:t>
-            </a:r>
-            <a:endParaRPr dirty="0"/>
-          </a:p>
-          <a:p>
-            <a:r>
-              <a:rPr b="0" dirty="0"/>
-              <a:t>No alt text provided</a:t>
-            </a:r>
-            <a:endParaRPr dirty="0"/>
-          </a:p>
-          <a:p>
-            <a:endParaRPr dirty="0"/>
-          </a:p>
-          <a:p>
-            <a:r>
-              <a:rPr b="1" dirty="0"/>
-              <a:t>gauge</a:t>
-            </a:r>
-            <a:endParaRPr dirty="0"/>
-          </a:p>
-          <a:p>
-            <a:r>
-              <a:rPr b="0" dirty="0"/>
-              <a:t>No alt text provided</a:t>
-            </a:r>
-            <a:endParaRPr dirty="0"/>
-          </a:p>
-          <a:p>
-            <a:endParaRPr dirty="0"/>
-          </a:p>
-          <a:p>
-            <a:r>
-              <a:rPr b="1" dirty="0"/>
-              <a:t>Churn rate by Demography</a:t>
-            </a:r>
-            <a:endParaRPr dirty="0"/>
-          </a:p>
-          <a:p>
-            <a:r>
-              <a:rPr b="0" dirty="0"/>
-              <a:t>No alt text provided</a:t>
-            </a:r>
-            <a:endParaRPr dirty="0"/>
-          </a:p>
-          <a:p>
-            <a:endParaRPr dirty="0"/>
-          </a:p>
-          <a:p>
-            <a:r>
-              <a:rPr b="1" dirty="0"/>
-              <a:t>Churned Customers by Contract Type</a:t>
-            </a:r>
-            <a:endParaRPr dirty="0"/>
-          </a:p>
-          <a:p>
-            <a:r>
-              <a:rPr b="0" dirty="0"/>
-              <a:t>No alt text provided</a:t>
-            </a:r>
-            <a:endParaRPr dirty="0"/>
-          </a:p>
-          <a:p>
-            <a:endParaRPr dirty="0"/>
-          </a:p>
-          <a:p>
-            <a:r>
-              <a:rPr b="1" dirty="0"/>
-              <a:t>card</a:t>
-            </a:r>
-            <a:endParaRPr dirty="0"/>
-          </a:p>
-          <a:p>
-            <a:r>
-              <a:rPr b="0" dirty="0"/>
-              <a:t>No alt text provided</a:t>
-            </a:r>
-            <a:endParaRPr dirty="0"/>
-          </a:p>
-          <a:p>
-            <a:endParaRPr dirty="0"/>
-          </a:p>
-        </p:txBody>
-      </p:sp>
-    </p:spTree>
-  </p:cSld>
-  <p:clrMapOvr>
-    <a:masterClrMapping/>
-  </p:clrMapOvr>
-</p:notes>
+<file path=ppt/revisionInfo.xml><?xml version="1.0" encoding="utf-8"?>
+<p1510:revInfo xmlns:a="http://schemas.openxmlformats.org/drawingml/2006/main" xmlns:r="http://schemas.openxmlformats.org/officeDocument/2006/relationships" xmlns:p1510="http://schemas.microsoft.com/office/powerpoint/2015/10/main">
+  <p1510:revLst>
+    <p1510:client id="{87BC108F-2AB8-48DA-AB49-F9E86BDDFE2F}" v="6" dt="2018-08-08T09:06:44.784"/>
+  </p1510:revLst>
+</p1510:revInfo>
 </file>
 
 <file path=ppt/slideLayouts/slideLayout1.xml><?xml version="1.0" encoding="utf-8"?>
@@ -678,7 +142,13 @@
       </p:grpSpPr>
       <p:sp>
         <p:nvSpPr>
-          <p:cNvPr id="2" name="Title 1"/>
+          <p:cNvPr id="2" name="Title 1">
+            <a:extLst>
+              <a:ext uri="{FF2B5EF4-FFF2-40B4-BE49-F238E27FC236}">
+                <a16:creationId xmlns:a16="http://schemas.microsoft.com/office/drawing/2014/main" id="{2A14106F-A246-2E48-9544-E8146AB80CF1}"/>
+              </a:ext>
+            </a:extLst>
+          </p:cNvPr>
           <p:cNvSpPr>
             <a:spLocks noGrp="1"/>
           </p:cNvSpPr>
@@ -709,7 +179,13 @@
       </p:sp>
       <p:sp>
         <p:nvSpPr>
-          <p:cNvPr id="3" name="Subtitle 2"/>
+          <p:cNvPr id="3" name="Subtitle 2">
+            <a:extLst>
+              <a:ext uri="{FF2B5EF4-FFF2-40B4-BE49-F238E27FC236}">
+                <a16:creationId xmlns:a16="http://schemas.microsoft.com/office/drawing/2014/main" id="{73229C53-2CA9-764A-93AB-ECAD546B01FA}"/>
+              </a:ext>
+            </a:extLst>
+          </p:cNvPr>
           <p:cNvSpPr>
             <a:spLocks noGrp="1"/>
           </p:cNvSpPr>
@@ -773,7 +249,13 @@
       </p:sp>
       <p:sp>
         <p:nvSpPr>
-          <p:cNvPr id="4" name="Date Placeholder 3"/>
+          <p:cNvPr id="4" name="Date Placeholder 3">
+            <a:extLst>
+              <a:ext uri="{FF2B5EF4-FFF2-40B4-BE49-F238E27FC236}">
+                <a16:creationId xmlns:a16="http://schemas.microsoft.com/office/drawing/2014/main" id="{766C782C-8745-7347-B6AC-4D8772289B98}"/>
+              </a:ext>
+            </a:extLst>
+          </p:cNvPr>
           <p:cNvSpPr>
             <a:spLocks noGrp="1"/>
           </p:cNvSpPr>
@@ -786,9 +268,9 @@
           <a:bodyPr/>
           <a:lstStyle/>
           <a:p>
-            <a:fld id="{627ED9C8-F09A-4D9E-BEC0-4725162E21FF}" type="datetimeFigureOut">
+            <a:fld id="{37A2730A-859E-B540-ADF3-E97069AD1FDB}" type="datetimeFigureOut">
               <a:rPr lang="en-US" smtClean="0"/>
-              <a:t>12/30/22</a:t>
+              <a:t>1/12/2023</a:t>
             </a:fld>
             <a:endParaRPr lang="en-US"/>
           </a:p>
@@ -796,7 +278,13 @@
       </p:sp>
       <p:sp>
         <p:nvSpPr>
-          <p:cNvPr id="5" name="Footer Placeholder 4"/>
+          <p:cNvPr id="5" name="Footer Placeholder 4">
+            <a:extLst>
+              <a:ext uri="{FF2B5EF4-FFF2-40B4-BE49-F238E27FC236}">
+                <a16:creationId xmlns:a16="http://schemas.microsoft.com/office/drawing/2014/main" id="{0A1CFD0D-118D-4441-A91C-1B836A28AAD2}"/>
+              </a:ext>
+            </a:extLst>
+          </p:cNvPr>
           <p:cNvSpPr>
             <a:spLocks noGrp="1"/>
           </p:cNvSpPr>
@@ -815,7 +303,13 @@
       </p:sp>
       <p:sp>
         <p:nvSpPr>
-          <p:cNvPr id="6" name="Slide Number Placeholder 5"/>
+          <p:cNvPr id="6" name="Slide Number Placeholder 5">
+            <a:extLst>
+              <a:ext uri="{FF2B5EF4-FFF2-40B4-BE49-F238E27FC236}">
+                <a16:creationId xmlns:a16="http://schemas.microsoft.com/office/drawing/2014/main" id="{EACB8388-0632-6942-96AC-2D619404EDCE}"/>
+              </a:ext>
+            </a:extLst>
+          </p:cNvPr>
           <p:cNvSpPr>
             <a:spLocks noGrp="1"/>
           </p:cNvSpPr>
@@ -828,7 +322,7 @@
           <a:bodyPr/>
           <a:lstStyle/>
           <a:p>
-            <a:fld id="{8C7D807A-D3EC-4DEA-86E2-120E4093F1A6}" type="slidenum">
+            <a:fld id="{8E05DC9C-C50D-D242-B083-59CEE07163F1}" type="slidenum">
               <a:rPr lang="en-US" smtClean="0"/>
               <a:t>‹#›</a:t>
             </a:fld>
@@ -839,7 +333,7 @@
     </p:spTree>
     <p:extLst>
       <p:ext uri="{BB962C8B-B14F-4D97-AF65-F5344CB8AC3E}">
-        <p14:creationId xmlns:p14="http://schemas.microsoft.com/office/powerpoint/2010/main" val="1747689600"/>
+        <p14:creationId xmlns:p14="http://schemas.microsoft.com/office/powerpoint/2010/main" val="1151746138"/>
       </p:ext>
     </p:extLst>
   </p:cSld>
@@ -868,7 +362,13 @@
       </p:grpSpPr>
       <p:sp>
         <p:nvSpPr>
-          <p:cNvPr id="2" name="Title 1"/>
+          <p:cNvPr id="2" name="Title 1">
+            <a:extLst>
+              <a:ext uri="{FF2B5EF4-FFF2-40B4-BE49-F238E27FC236}">
+                <a16:creationId xmlns:a16="http://schemas.microsoft.com/office/drawing/2014/main" id="{FF659CC8-54DA-0A42-9DA3-C9E7FB11FDDF}"/>
+              </a:ext>
+            </a:extLst>
+          </p:cNvPr>
           <p:cNvSpPr>
             <a:spLocks noGrp="1"/>
           </p:cNvSpPr>
@@ -890,7 +390,13 @@
       </p:sp>
       <p:sp>
         <p:nvSpPr>
-          <p:cNvPr id="3" name="Vertical Text Placeholder 2"/>
+          <p:cNvPr id="3" name="Vertical Text Placeholder 2">
+            <a:extLst>
+              <a:ext uri="{FF2B5EF4-FFF2-40B4-BE49-F238E27FC236}">
+                <a16:creationId xmlns:a16="http://schemas.microsoft.com/office/drawing/2014/main" id="{E31DD596-2259-614F-A986-3F25CF600FDE}"/>
+              </a:ext>
+            </a:extLst>
+          </p:cNvPr>
           <p:cNvSpPr>
             <a:spLocks noGrp="1"/>
           </p:cNvSpPr>
@@ -941,7 +447,13 @@
       </p:sp>
       <p:sp>
         <p:nvSpPr>
-          <p:cNvPr id="4" name="Date Placeholder 3"/>
+          <p:cNvPr id="4" name="Date Placeholder 3">
+            <a:extLst>
+              <a:ext uri="{FF2B5EF4-FFF2-40B4-BE49-F238E27FC236}">
+                <a16:creationId xmlns:a16="http://schemas.microsoft.com/office/drawing/2014/main" id="{2FA5B1C8-F927-B147-8326-E3862924A8F1}"/>
+              </a:ext>
+            </a:extLst>
+          </p:cNvPr>
           <p:cNvSpPr>
             <a:spLocks noGrp="1"/>
           </p:cNvSpPr>
@@ -954,9 +466,9 @@
           <a:bodyPr/>
           <a:lstStyle/>
           <a:p>
-            <a:fld id="{627ED9C8-F09A-4D9E-BEC0-4725162E21FF}" type="datetimeFigureOut">
+            <a:fld id="{37A2730A-859E-B540-ADF3-E97069AD1FDB}" type="datetimeFigureOut">
               <a:rPr lang="en-US" smtClean="0"/>
-              <a:t>12/30/22</a:t>
+              <a:t>1/12/2023</a:t>
             </a:fld>
             <a:endParaRPr lang="en-US"/>
           </a:p>
@@ -964,7 +476,13 @@
       </p:sp>
       <p:sp>
         <p:nvSpPr>
-          <p:cNvPr id="5" name="Footer Placeholder 4"/>
+          <p:cNvPr id="5" name="Footer Placeholder 4">
+            <a:extLst>
+              <a:ext uri="{FF2B5EF4-FFF2-40B4-BE49-F238E27FC236}">
+                <a16:creationId xmlns:a16="http://schemas.microsoft.com/office/drawing/2014/main" id="{EC0B53A9-157A-9941-B952-607DAB5FA2A1}"/>
+              </a:ext>
+            </a:extLst>
+          </p:cNvPr>
           <p:cNvSpPr>
             <a:spLocks noGrp="1"/>
           </p:cNvSpPr>
@@ -983,7 +501,13 @@
       </p:sp>
       <p:sp>
         <p:nvSpPr>
-          <p:cNvPr id="6" name="Slide Number Placeholder 5"/>
+          <p:cNvPr id="6" name="Slide Number Placeholder 5">
+            <a:extLst>
+              <a:ext uri="{FF2B5EF4-FFF2-40B4-BE49-F238E27FC236}">
+                <a16:creationId xmlns:a16="http://schemas.microsoft.com/office/drawing/2014/main" id="{13CF697C-66DE-734A-9CA9-579BCEA17025}"/>
+              </a:ext>
+            </a:extLst>
+          </p:cNvPr>
           <p:cNvSpPr>
             <a:spLocks noGrp="1"/>
           </p:cNvSpPr>
@@ -996,7 +520,7 @@
           <a:bodyPr/>
           <a:lstStyle/>
           <a:p>
-            <a:fld id="{8C7D807A-D3EC-4DEA-86E2-120E4093F1A6}" type="slidenum">
+            <a:fld id="{8E05DC9C-C50D-D242-B083-59CEE07163F1}" type="slidenum">
               <a:rPr lang="en-US" smtClean="0"/>
               <a:t>‹#›</a:t>
             </a:fld>
@@ -1007,7 +531,7 @@
     </p:spTree>
     <p:extLst>
       <p:ext uri="{BB962C8B-B14F-4D97-AF65-F5344CB8AC3E}">
-        <p14:creationId xmlns:p14="http://schemas.microsoft.com/office/powerpoint/2010/main" val="553214220"/>
+        <p14:creationId xmlns:p14="http://schemas.microsoft.com/office/powerpoint/2010/main" val="401388330"/>
       </p:ext>
     </p:extLst>
   </p:cSld>
@@ -1036,7 +560,13 @@
       </p:grpSpPr>
       <p:sp>
         <p:nvSpPr>
-          <p:cNvPr id="2" name="Vertical Title 1"/>
+          <p:cNvPr id="2" name="Vertical Title 1">
+            <a:extLst>
+              <a:ext uri="{FF2B5EF4-FFF2-40B4-BE49-F238E27FC236}">
+                <a16:creationId xmlns:a16="http://schemas.microsoft.com/office/drawing/2014/main" id="{2BFAABD5-DA08-A547-B641-D0E088917286}"/>
+              </a:ext>
+            </a:extLst>
+          </p:cNvPr>
           <p:cNvSpPr>
             <a:spLocks noGrp="1"/>
           </p:cNvSpPr>
@@ -1063,7 +593,13 @@
       </p:sp>
       <p:sp>
         <p:nvSpPr>
-          <p:cNvPr id="3" name="Vertical Text Placeholder 2"/>
+          <p:cNvPr id="3" name="Vertical Text Placeholder 2">
+            <a:extLst>
+              <a:ext uri="{FF2B5EF4-FFF2-40B4-BE49-F238E27FC236}">
+                <a16:creationId xmlns:a16="http://schemas.microsoft.com/office/drawing/2014/main" id="{C2B8267B-68DB-BD49-A9B4-434AE7BB23F1}"/>
+              </a:ext>
+            </a:extLst>
+          </p:cNvPr>
           <p:cNvSpPr>
             <a:spLocks noGrp="1"/>
           </p:cNvSpPr>
@@ -1119,7 +655,13 @@
       </p:sp>
       <p:sp>
         <p:nvSpPr>
-          <p:cNvPr id="4" name="Date Placeholder 3"/>
+          <p:cNvPr id="4" name="Date Placeholder 3">
+            <a:extLst>
+              <a:ext uri="{FF2B5EF4-FFF2-40B4-BE49-F238E27FC236}">
+                <a16:creationId xmlns:a16="http://schemas.microsoft.com/office/drawing/2014/main" id="{0ED2D5EC-A445-FF43-82E6-1E7554A5DCB3}"/>
+              </a:ext>
+            </a:extLst>
+          </p:cNvPr>
           <p:cNvSpPr>
             <a:spLocks noGrp="1"/>
           </p:cNvSpPr>
@@ -1132,9 +674,9 @@
           <a:bodyPr/>
           <a:lstStyle/>
           <a:p>
-            <a:fld id="{627ED9C8-F09A-4D9E-BEC0-4725162E21FF}" type="datetimeFigureOut">
+            <a:fld id="{37A2730A-859E-B540-ADF3-E97069AD1FDB}" type="datetimeFigureOut">
               <a:rPr lang="en-US" smtClean="0"/>
-              <a:t>12/30/22</a:t>
+              <a:t>1/12/2023</a:t>
             </a:fld>
             <a:endParaRPr lang="en-US"/>
           </a:p>
@@ -1142,7 +684,13 @@
       </p:sp>
       <p:sp>
         <p:nvSpPr>
-          <p:cNvPr id="5" name="Footer Placeholder 4"/>
+          <p:cNvPr id="5" name="Footer Placeholder 4">
+            <a:extLst>
+              <a:ext uri="{FF2B5EF4-FFF2-40B4-BE49-F238E27FC236}">
+                <a16:creationId xmlns:a16="http://schemas.microsoft.com/office/drawing/2014/main" id="{5A76C67B-5186-6A4F-8CC0-6CBFEB11829F}"/>
+              </a:ext>
+            </a:extLst>
+          </p:cNvPr>
           <p:cNvSpPr>
             <a:spLocks noGrp="1"/>
           </p:cNvSpPr>
@@ -1161,7 +709,13 @@
       </p:sp>
       <p:sp>
         <p:nvSpPr>
-          <p:cNvPr id="6" name="Slide Number Placeholder 5"/>
+          <p:cNvPr id="6" name="Slide Number Placeholder 5">
+            <a:extLst>
+              <a:ext uri="{FF2B5EF4-FFF2-40B4-BE49-F238E27FC236}">
+                <a16:creationId xmlns:a16="http://schemas.microsoft.com/office/drawing/2014/main" id="{EABF1686-2B7E-F34D-B970-CC7FA2D3BC5B}"/>
+              </a:ext>
+            </a:extLst>
+          </p:cNvPr>
           <p:cNvSpPr>
             <a:spLocks noGrp="1"/>
           </p:cNvSpPr>
@@ -1174,7 +728,7 @@
           <a:bodyPr/>
           <a:lstStyle/>
           <a:p>
-            <a:fld id="{8C7D807A-D3EC-4DEA-86E2-120E4093F1A6}" type="slidenum">
+            <a:fld id="{8E05DC9C-C50D-D242-B083-59CEE07163F1}" type="slidenum">
               <a:rPr lang="en-US" smtClean="0"/>
               <a:t>‹#›</a:t>
             </a:fld>
@@ -1185,7 +739,7 @@
     </p:spTree>
     <p:extLst>
       <p:ext uri="{BB962C8B-B14F-4D97-AF65-F5344CB8AC3E}">
-        <p14:creationId xmlns:p14="http://schemas.microsoft.com/office/powerpoint/2010/main" val="2982640967"/>
+        <p14:creationId xmlns:p14="http://schemas.microsoft.com/office/powerpoint/2010/main" val="2337161795"/>
       </p:ext>
     </p:extLst>
   </p:cSld>
@@ -1214,7 +768,13 @@
       </p:grpSpPr>
       <p:sp>
         <p:nvSpPr>
-          <p:cNvPr id="2" name="Title 1"/>
+          <p:cNvPr id="2" name="Title 1">
+            <a:extLst>
+              <a:ext uri="{FF2B5EF4-FFF2-40B4-BE49-F238E27FC236}">
+                <a16:creationId xmlns:a16="http://schemas.microsoft.com/office/drawing/2014/main" id="{48BFEA2F-4473-0948-AB43-EBE335118ACE}"/>
+              </a:ext>
+            </a:extLst>
+          </p:cNvPr>
           <p:cNvSpPr>
             <a:spLocks noGrp="1"/>
           </p:cNvSpPr>
@@ -1236,7 +796,13 @@
       </p:sp>
       <p:sp>
         <p:nvSpPr>
-          <p:cNvPr id="3" name="Content Placeholder 2"/>
+          <p:cNvPr id="3" name="Content Placeholder 2">
+            <a:extLst>
+              <a:ext uri="{FF2B5EF4-FFF2-40B4-BE49-F238E27FC236}">
+                <a16:creationId xmlns:a16="http://schemas.microsoft.com/office/drawing/2014/main" id="{5708B151-747D-604F-903D-9A920F3178C3}"/>
+              </a:ext>
+            </a:extLst>
+          </p:cNvPr>
           <p:cNvSpPr>
             <a:spLocks noGrp="1"/>
           </p:cNvSpPr>
@@ -1287,7 +853,13 @@
       </p:sp>
       <p:sp>
         <p:nvSpPr>
-          <p:cNvPr id="4" name="Date Placeholder 3"/>
+          <p:cNvPr id="4" name="Date Placeholder 3">
+            <a:extLst>
+              <a:ext uri="{FF2B5EF4-FFF2-40B4-BE49-F238E27FC236}">
+                <a16:creationId xmlns:a16="http://schemas.microsoft.com/office/drawing/2014/main" id="{8B047E0C-8A67-AE45-9E33-B90E65F82661}"/>
+              </a:ext>
+            </a:extLst>
+          </p:cNvPr>
           <p:cNvSpPr>
             <a:spLocks noGrp="1"/>
           </p:cNvSpPr>
@@ -1300,9 +872,9 @@
           <a:bodyPr/>
           <a:lstStyle/>
           <a:p>
-            <a:fld id="{627ED9C8-F09A-4D9E-BEC0-4725162E21FF}" type="datetimeFigureOut">
+            <a:fld id="{37A2730A-859E-B540-ADF3-E97069AD1FDB}" type="datetimeFigureOut">
               <a:rPr lang="en-US" smtClean="0"/>
-              <a:t>12/30/22</a:t>
+              <a:t>1/12/2023</a:t>
             </a:fld>
             <a:endParaRPr lang="en-US"/>
           </a:p>
@@ -1310,7 +882,13 @@
       </p:sp>
       <p:sp>
         <p:nvSpPr>
-          <p:cNvPr id="5" name="Footer Placeholder 4"/>
+          <p:cNvPr id="5" name="Footer Placeholder 4">
+            <a:extLst>
+              <a:ext uri="{FF2B5EF4-FFF2-40B4-BE49-F238E27FC236}">
+                <a16:creationId xmlns:a16="http://schemas.microsoft.com/office/drawing/2014/main" id="{702C27D1-B1FA-884E-BB86-6AA912AD2C12}"/>
+              </a:ext>
+            </a:extLst>
+          </p:cNvPr>
           <p:cNvSpPr>
             <a:spLocks noGrp="1"/>
           </p:cNvSpPr>
@@ -1329,7 +907,13 @@
       </p:sp>
       <p:sp>
         <p:nvSpPr>
-          <p:cNvPr id="6" name="Slide Number Placeholder 5"/>
+          <p:cNvPr id="6" name="Slide Number Placeholder 5">
+            <a:extLst>
+              <a:ext uri="{FF2B5EF4-FFF2-40B4-BE49-F238E27FC236}">
+                <a16:creationId xmlns:a16="http://schemas.microsoft.com/office/drawing/2014/main" id="{7740875C-8A74-6B43-8AF6-63659F8EC74F}"/>
+              </a:ext>
+            </a:extLst>
+          </p:cNvPr>
           <p:cNvSpPr>
             <a:spLocks noGrp="1"/>
           </p:cNvSpPr>
@@ -1342,7 +926,7 @@
           <a:bodyPr/>
           <a:lstStyle/>
           <a:p>
-            <a:fld id="{8C7D807A-D3EC-4DEA-86E2-120E4093F1A6}" type="slidenum">
+            <a:fld id="{8E05DC9C-C50D-D242-B083-59CEE07163F1}" type="slidenum">
               <a:rPr lang="en-US" smtClean="0"/>
               <a:t>‹#›</a:t>
             </a:fld>
@@ -1353,7 +937,7 @@
     </p:spTree>
     <p:extLst>
       <p:ext uri="{BB962C8B-B14F-4D97-AF65-F5344CB8AC3E}">
-        <p14:creationId xmlns:p14="http://schemas.microsoft.com/office/powerpoint/2010/main" val="214498519"/>
+        <p14:creationId xmlns:p14="http://schemas.microsoft.com/office/powerpoint/2010/main" val="4219327049"/>
       </p:ext>
     </p:extLst>
   </p:cSld>
@@ -1382,7 +966,13 @@
       </p:grpSpPr>
       <p:sp>
         <p:nvSpPr>
-          <p:cNvPr id="2" name="Title 1"/>
+          <p:cNvPr id="2" name="Title 1">
+            <a:extLst>
+              <a:ext uri="{FF2B5EF4-FFF2-40B4-BE49-F238E27FC236}">
+                <a16:creationId xmlns:a16="http://schemas.microsoft.com/office/drawing/2014/main" id="{58B73F97-6513-314A-BEB3-8AC3A43CEF62}"/>
+              </a:ext>
+            </a:extLst>
+          </p:cNvPr>
           <p:cNvSpPr>
             <a:spLocks noGrp="1"/>
           </p:cNvSpPr>
@@ -1413,7 +1003,13 @@
       </p:sp>
       <p:sp>
         <p:nvSpPr>
-          <p:cNvPr id="3" name="Text Placeholder 2"/>
+          <p:cNvPr id="3" name="Text Placeholder 2">
+            <a:extLst>
+              <a:ext uri="{FF2B5EF4-FFF2-40B4-BE49-F238E27FC236}">
+                <a16:creationId xmlns:a16="http://schemas.microsoft.com/office/drawing/2014/main" id="{4BAC1008-6364-A640-BA0B-D8775884B51B}"/>
+              </a:ext>
+            </a:extLst>
+          </p:cNvPr>
           <p:cNvSpPr>
             <a:spLocks noGrp="1"/>
           </p:cNvSpPr>
@@ -1532,7 +1128,13 @@
       </p:sp>
       <p:sp>
         <p:nvSpPr>
-          <p:cNvPr id="4" name="Date Placeholder 3"/>
+          <p:cNvPr id="4" name="Date Placeholder 3">
+            <a:extLst>
+              <a:ext uri="{FF2B5EF4-FFF2-40B4-BE49-F238E27FC236}">
+                <a16:creationId xmlns:a16="http://schemas.microsoft.com/office/drawing/2014/main" id="{3A5AB27E-7D19-9148-AFBE-D10DF7C15B9E}"/>
+              </a:ext>
+            </a:extLst>
+          </p:cNvPr>
           <p:cNvSpPr>
             <a:spLocks noGrp="1"/>
           </p:cNvSpPr>
@@ -1545,9 +1147,9 @@
           <a:bodyPr/>
           <a:lstStyle/>
           <a:p>
-            <a:fld id="{627ED9C8-F09A-4D9E-BEC0-4725162E21FF}" type="datetimeFigureOut">
+            <a:fld id="{37A2730A-859E-B540-ADF3-E97069AD1FDB}" type="datetimeFigureOut">
               <a:rPr lang="en-US" smtClean="0"/>
-              <a:t>12/30/22</a:t>
+              <a:t>1/12/2023</a:t>
             </a:fld>
             <a:endParaRPr lang="en-US"/>
           </a:p>
@@ -1555,7 +1157,13 @@
       </p:sp>
       <p:sp>
         <p:nvSpPr>
-          <p:cNvPr id="5" name="Footer Placeholder 4"/>
+          <p:cNvPr id="5" name="Footer Placeholder 4">
+            <a:extLst>
+              <a:ext uri="{FF2B5EF4-FFF2-40B4-BE49-F238E27FC236}">
+                <a16:creationId xmlns:a16="http://schemas.microsoft.com/office/drawing/2014/main" id="{FF17AB2F-DBDD-3343-AB56-539EF251BC13}"/>
+              </a:ext>
+            </a:extLst>
+          </p:cNvPr>
           <p:cNvSpPr>
             <a:spLocks noGrp="1"/>
           </p:cNvSpPr>
@@ -1574,7 +1182,13 @@
       </p:sp>
       <p:sp>
         <p:nvSpPr>
-          <p:cNvPr id="6" name="Slide Number Placeholder 5"/>
+          <p:cNvPr id="6" name="Slide Number Placeholder 5">
+            <a:extLst>
+              <a:ext uri="{FF2B5EF4-FFF2-40B4-BE49-F238E27FC236}">
+                <a16:creationId xmlns:a16="http://schemas.microsoft.com/office/drawing/2014/main" id="{5982543B-D933-004D-99FF-224DE8B9700E}"/>
+              </a:ext>
+            </a:extLst>
+          </p:cNvPr>
           <p:cNvSpPr>
             <a:spLocks noGrp="1"/>
           </p:cNvSpPr>
@@ -1587,7 +1201,7 @@
           <a:bodyPr/>
           <a:lstStyle/>
           <a:p>
-            <a:fld id="{8C7D807A-D3EC-4DEA-86E2-120E4093F1A6}" type="slidenum">
+            <a:fld id="{8E05DC9C-C50D-D242-B083-59CEE07163F1}" type="slidenum">
               <a:rPr lang="en-US" smtClean="0"/>
               <a:t>‹#›</a:t>
             </a:fld>
@@ -1598,7 +1212,7 @@
     </p:spTree>
     <p:extLst>
       <p:ext uri="{BB962C8B-B14F-4D97-AF65-F5344CB8AC3E}">
-        <p14:creationId xmlns:p14="http://schemas.microsoft.com/office/powerpoint/2010/main" val="1026881434"/>
+        <p14:creationId xmlns:p14="http://schemas.microsoft.com/office/powerpoint/2010/main" val="3332993733"/>
       </p:ext>
     </p:extLst>
   </p:cSld>
@@ -1627,7 +1241,13 @@
       </p:grpSpPr>
       <p:sp>
         <p:nvSpPr>
-          <p:cNvPr id="2" name="Title 1"/>
+          <p:cNvPr id="2" name="Title 1">
+            <a:extLst>
+              <a:ext uri="{FF2B5EF4-FFF2-40B4-BE49-F238E27FC236}">
+                <a16:creationId xmlns:a16="http://schemas.microsoft.com/office/drawing/2014/main" id="{5D7E5657-C487-1D4B-9C65-4DD0F323D1E6}"/>
+              </a:ext>
+            </a:extLst>
+          </p:cNvPr>
           <p:cNvSpPr>
             <a:spLocks noGrp="1"/>
           </p:cNvSpPr>
@@ -1649,7 +1269,13 @@
       </p:sp>
       <p:sp>
         <p:nvSpPr>
-          <p:cNvPr id="3" name="Content Placeholder 2"/>
+          <p:cNvPr id="3" name="Content Placeholder 2">
+            <a:extLst>
+              <a:ext uri="{FF2B5EF4-FFF2-40B4-BE49-F238E27FC236}">
+                <a16:creationId xmlns:a16="http://schemas.microsoft.com/office/drawing/2014/main" id="{2FBF2E6E-20E6-9043-A03F-A481416CA8EB}"/>
+              </a:ext>
+            </a:extLst>
+          </p:cNvPr>
           <p:cNvSpPr>
             <a:spLocks noGrp="1"/>
           </p:cNvSpPr>
@@ -1705,7 +1331,13 @@
       </p:sp>
       <p:sp>
         <p:nvSpPr>
-          <p:cNvPr id="4" name="Content Placeholder 3"/>
+          <p:cNvPr id="4" name="Content Placeholder 3">
+            <a:extLst>
+              <a:ext uri="{FF2B5EF4-FFF2-40B4-BE49-F238E27FC236}">
+                <a16:creationId xmlns:a16="http://schemas.microsoft.com/office/drawing/2014/main" id="{DECB42E3-D2BE-6F4D-92FC-1494FD65C170}"/>
+              </a:ext>
+            </a:extLst>
+          </p:cNvPr>
           <p:cNvSpPr>
             <a:spLocks noGrp="1"/>
           </p:cNvSpPr>
@@ -1761,7 +1393,13 @@
       </p:sp>
       <p:sp>
         <p:nvSpPr>
-          <p:cNvPr id="5" name="Date Placeholder 4"/>
+          <p:cNvPr id="5" name="Date Placeholder 4">
+            <a:extLst>
+              <a:ext uri="{FF2B5EF4-FFF2-40B4-BE49-F238E27FC236}">
+                <a16:creationId xmlns:a16="http://schemas.microsoft.com/office/drawing/2014/main" id="{C2A5245B-18BD-FF4F-92B6-242006FB81F1}"/>
+              </a:ext>
+            </a:extLst>
+          </p:cNvPr>
           <p:cNvSpPr>
             <a:spLocks noGrp="1"/>
           </p:cNvSpPr>
@@ -1774,9 +1412,9 @@
           <a:bodyPr/>
           <a:lstStyle/>
           <a:p>
-            <a:fld id="{627ED9C8-F09A-4D9E-BEC0-4725162E21FF}" type="datetimeFigureOut">
+            <a:fld id="{37A2730A-859E-B540-ADF3-E97069AD1FDB}" type="datetimeFigureOut">
               <a:rPr lang="en-US" smtClean="0"/>
-              <a:t>12/30/22</a:t>
+              <a:t>1/12/2023</a:t>
             </a:fld>
             <a:endParaRPr lang="en-US"/>
           </a:p>
@@ -1784,7 +1422,13 @@
       </p:sp>
       <p:sp>
         <p:nvSpPr>
-          <p:cNvPr id="6" name="Footer Placeholder 5"/>
+          <p:cNvPr id="6" name="Footer Placeholder 5">
+            <a:extLst>
+              <a:ext uri="{FF2B5EF4-FFF2-40B4-BE49-F238E27FC236}">
+                <a16:creationId xmlns:a16="http://schemas.microsoft.com/office/drawing/2014/main" id="{BE081255-874F-754B-A47E-861DA0CD158A}"/>
+              </a:ext>
+            </a:extLst>
+          </p:cNvPr>
           <p:cNvSpPr>
             <a:spLocks noGrp="1"/>
           </p:cNvSpPr>
@@ -1803,7 +1447,13 @@
       </p:sp>
       <p:sp>
         <p:nvSpPr>
-          <p:cNvPr id="7" name="Slide Number Placeholder 6"/>
+          <p:cNvPr id="7" name="Slide Number Placeholder 6">
+            <a:extLst>
+              <a:ext uri="{FF2B5EF4-FFF2-40B4-BE49-F238E27FC236}">
+                <a16:creationId xmlns:a16="http://schemas.microsoft.com/office/drawing/2014/main" id="{00E19D76-7CF9-AC46-8DF1-89FFCD7B2D7E}"/>
+              </a:ext>
+            </a:extLst>
+          </p:cNvPr>
           <p:cNvSpPr>
             <a:spLocks noGrp="1"/>
           </p:cNvSpPr>
@@ -1816,7 +1466,7 @@
           <a:bodyPr/>
           <a:lstStyle/>
           <a:p>
-            <a:fld id="{8C7D807A-D3EC-4DEA-86E2-120E4093F1A6}" type="slidenum">
+            <a:fld id="{8E05DC9C-C50D-D242-B083-59CEE07163F1}" type="slidenum">
               <a:rPr lang="en-US" smtClean="0"/>
               <a:t>‹#›</a:t>
             </a:fld>
@@ -1827,7 +1477,7 @@
     </p:spTree>
     <p:extLst>
       <p:ext uri="{BB962C8B-B14F-4D97-AF65-F5344CB8AC3E}">
-        <p14:creationId xmlns:p14="http://schemas.microsoft.com/office/powerpoint/2010/main" val="1004331513"/>
+        <p14:creationId xmlns:p14="http://schemas.microsoft.com/office/powerpoint/2010/main" val="999621691"/>
       </p:ext>
     </p:extLst>
   </p:cSld>
@@ -1856,7 +1506,13 @@
       </p:grpSpPr>
       <p:sp>
         <p:nvSpPr>
-          <p:cNvPr id="2" name="Title 1"/>
+          <p:cNvPr id="2" name="Title 1">
+            <a:extLst>
+              <a:ext uri="{FF2B5EF4-FFF2-40B4-BE49-F238E27FC236}">
+                <a16:creationId xmlns:a16="http://schemas.microsoft.com/office/drawing/2014/main" id="{5C93E17C-5F89-8D43-BA72-7627FFCB128B}"/>
+              </a:ext>
+            </a:extLst>
+          </p:cNvPr>
           <p:cNvSpPr>
             <a:spLocks noGrp="1"/>
           </p:cNvSpPr>
@@ -1883,7 +1539,13 @@
       </p:sp>
       <p:sp>
         <p:nvSpPr>
-          <p:cNvPr id="3" name="Text Placeholder 2"/>
+          <p:cNvPr id="3" name="Text Placeholder 2">
+            <a:extLst>
+              <a:ext uri="{FF2B5EF4-FFF2-40B4-BE49-F238E27FC236}">
+                <a16:creationId xmlns:a16="http://schemas.microsoft.com/office/drawing/2014/main" id="{D3969009-5908-0446-A2D3-27CA7612D79B}"/>
+              </a:ext>
+            </a:extLst>
+          </p:cNvPr>
           <p:cNvSpPr>
             <a:spLocks noGrp="1"/>
           </p:cNvSpPr>
@@ -1948,7 +1610,13 @@
       </p:sp>
       <p:sp>
         <p:nvSpPr>
-          <p:cNvPr id="4" name="Content Placeholder 3"/>
+          <p:cNvPr id="4" name="Content Placeholder 3">
+            <a:extLst>
+              <a:ext uri="{FF2B5EF4-FFF2-40B4-BE49-F238E27FC236}">
+                <a16:creationId xmlns:a16="http://schemas.microsoft.com/office/drawing/2014/main" id="{F2A4F87B-6AD1-4F41-B65A-1712AF5CC500}"/>
+              </a:ext>
+            </a:extLst>
+          </p:cNvPr>
           <p:cNvSpPr>
             <a:spLocks noGrp="1"/>
           </p:cNvSpPr>
@@ -2004,7 +1672,13 @@
       </p:sp>
       <p:sp>
         <p:nvSpPr>
-          <p:cNvPr id="5" name="Text Placeholder 4"/>
+          <p:cNvPr id="5" name="Text Placeholder 4">
+            <a:extLst>
+              <a:ext uri="{FF2B5EF4-FFF2-40B4-BE49-F238E27FC236}">
+                <a16:creationId xmlns:a16="http://schemas.microsoft.com/office/drawing/2014/main" id="{E39BD845-9E91-C744-AC94-1F3B0763A6B7}"/>
+              </a:ext>
+            </a:extLst>
+          </p:cNvPr>
           <p:cNvSpPr>
             <a:spLocks noGrp="1"/>
           </p:cNvSpPr>
@@ -2069,7 +1743,13 @@
       </p:sp>
       <p:sp>
         <p:nvSpPr>
-          <p:cNvPr id="6" name="Content Placeholder 5"/>
+          <p:cNvPr id="6" name="Content Placeholder 5">
+            <a:extLst>
+              <a:ext uri="{FF2B5EF4-FFF2-40B4-BE49-F238E27FC236}">
+                <a16:creationId xmlns:a16="http://schemas.microsoft.com/office/drawing/2014/main" id="{305476AE-7625-BD41-9CA9-51364370D38F}"/>
+              </a:ext>
+            </a:extLst>
+          </p:cNvPr>
           <p:cNvSpPr>
             <a:spLocks noGrp="1"/>
           </p:cNvSpPr>
@@ -2125,7 +1805,13 @@
       </p:sp>
       <p:sp>
         <p:nvSpPr>
-          <p:cNvPr id="7" name="Date Placeholder 6"/>
+          <p:cNvPr id="7" name="Date Placeholder 6">
+            <a:extLst>
+              <a:ext uri="{FF2B5EF4-FFF2-40B4-BE49-F238E27FC236}">
+                <a16:creationId xmlns:a16="http://schemas.microsoft.com/office/drawing/2014/main" id="{A5E53358-AC69-5B4B-A141-FBCF7AC85089}"/>
+              </a:ext>
+            </a:extLst>
+          </p:cNvPr>
           <p:cNvSpPr>
             <a:spLocks noGrp="1"/>
           </p:cNvSpPr>
@@ -2138,9 +1824,9 @@
           <a:bodyPr/>
           <a:lstStyle/>
           <a:p>
-            <a:fld id="{627ED9C8-F09A-4D9E-BEC0-4725162E21FF}" type="datetimeFigureOut">
+            <a:fld id="{37A2730A-859E-B540-ADF3-E97069AD1FDB}" type="datetimeFigureOut">
               <a:rPr lang="en-US" smtClean="0"/>
-              <a:t>12/30/22</a:t>
+              <a:t>1/12/2023</a:t>
             </a:fld>
             <a:endParaRPr lang="en-US"/>
           </a:p>
@@ -2148,7 +1834,13 @@
       </p:sp>
       <p:sp>
         <p:nvSpPr>
-          <p:cNvPr id="8" name="Footer Placeholder 7"/>
+          <p:cNvPr id="8" name="Footer Placeholder 7">
+            <a:extLst>
+              <a:ext uri="{FF2B5EF4-FFF2-40B4-BE49-F238E27FC236}">
+                <a16:creationId xmlns:a16="http://schemas.microsoft.com/office/drawing/2014/main" id="{D9FCEA71-D074-9149-9053-65C6E547F043}"/>
+              </a:ext>
+            </a:extLst>
+          </p:cNvPr>
           <p:cNvSpPr>
             <a:spLocks noGrp="1"/>
           </p:cNvSpPr>
@@ -2167,7 +1859,13 @@
       </p:sp>
       <p:sp>
         <p:nvSpPr>
-          <p:cNvPr id="9" name="Slide Number Placeholder 8"/>
+          <p:cNvPr id="9" name="Slide Number Placeholder 8">
+            <a:extLst>
+              <a:ext uri="{FF2B5EF4-FFF2-40B4-BE49-F238E27FC236}">
+                <a16:creationId xmlns:a16="http://schemas.microsoft.com/office/drawing/2014/main" id="{DAC57ED6-3E53-184B-96E1-A81C0B366A20}"/>
+              </a:ext>
+            </a:extLst>
+          </p:cNvPr>
           <p:cNvSpPr>
             <a:spLocks noGrp="1"/>
           </p:cNvSpPr>
@@ -2180,7 +1878,7 @@
           <a:bodyPr/>
           <a:lstStyle/>
           <a:p>
-            <a:fld id="{8C7D807A-D3EC-4DEA-86E2-120E4093F1A6}" type="slidenum">
+            <a:fld id="{8E05DC9C-C50D-D242-B083-59CEE07163F1}" type="slidenum">
               <a:rPr lang="en-US" smtClean="0"/>
               <a:t>‹#›</a:t>
             </a:fld>
@@ -2191,7 +1889,7 @@
     </p:spTree>
     <p:extLst>
       <p:ext uri="{BB962C8B-B14F-4D97-AF65-F5344CB8AC3E}">
-        <p14:creationId xmlns:p14="http://schemas.microsoft.com/office/powerpoint/2010/main" val="925692461"/>
+        <p14:creationId xmlns:p14="http://schemas.microsoft.com/office/powerpoint/2010/main" val="1337476017"/>
       </p:ext>
     </p:extLst>
   </p:cSld>
@@ -2220,7 +1918,13 @@
       </p:grpSpPr>
       <p:sp>
         <p:nvSpPr>
-          <p:cNvPr id="2" name="Title 1"/>
+          <p:cNvPr id="2" name="Title 1">
+            <a:extLst>
+              <a:ext uri="{FF2B5EF4-FFF2-40B4-BE49-F238E27FC236}">
+                <a16:creationId xmlns:a16="http://schemas.microsoft.com/office/drawing/2014/main" id="{44C97104-1EED-AC46-9BFE-74C4C8973880}"/>
+              </a:ext>
+            </a:extLst>
+          </p:cNvPr>
           <p:cNvSpPr>
             <a:spLocks noGrp="1"/>
           </p:cNvSpPr>
@@ -2242,7 +1946,13 @@
       </p:sp>
       <p:sp>
         <p:nvSpPr>
-          <p:cNvPr id="3" name="Date Placeholder 2"/>
+          <p:cNvPr id="3" name="Date Placeholder 2">
+            <a:extLst>
+              <a:ext uri="{FF2B5EF4-FFF2-40B4-BE49-F238E27FC236}">
+                <a16:creationId xmlns:a16="http://schemas.microsoft.com/office/drawing/2014/main" id="{A6CA8C08-9E8C-6741-A2F0-5FAB6AE5E4F9}"/>
+              </a:ext>
+            </a:extLst>
+          </p:cNvPr>
           <p:cNvSpPr>
             <a:spLocks noGrp="1"/>
           </p:cNvSpPr>
@@ -2255,9 +1965,9 @@
           <a:bodyPr/>
           <a:lstStyle/>
           <a:p>
-            <a:fld id="{627ED9C8-F09A-4D9E-BEC0-4725162E21FF}" type="datetimeFigureOut">
+            <a:fld id="{37A2730A-859E-B540-ADF3-E97069AD1FDB}" type="datetimeFigureOut">
               <a:rPr lang="en-US" smtClean="0"/>
-              <a:t>12/30/22</a:t>
+              <a:t>1/12/2023</a:t>
             </a:fld>
             <a:endParaRPr lang="en-US"/>
           </a:p>
@@ -2265,7 +1975,13 @@
       </p:sp>
       <p:sp>
         <p:nvSpPr>
-          <p:cNvPr id="4" name="Footer Placeholder 3"/>
+          <p:cNvPr id="4" name="Footer Placeholder 3">
+            <a:extLst>
+              <a:ext uri="{FF2B5EF4-FFF2-40B4-BE49-F238E27FC236}">
+                <a16:creationId xmlns:a16="http://schemas.microsoft.com/office/drawing/2014/main" id="{2AD7E1B8-2D7B-4548-B1EC-8C766C92D943}"/>
+              </a:ext>
+            </a:extLst>
+          </p:cNvPr>
           <p:cNvSpPr>
             <a:spLocks noGrp="1"/>
           </p:cNvSpPr>
@@ -2284,7 +2000,13 @@
       </p:sp>
       <p:sp>
         <p:nvSpPr>
-          <p:cNvPr id="5" name="Slide Number Placeholder 4"/>
+          <p:cNvPr id="5" name="Slide Number Placeholder 4">
+            <a:extLst>
+              <a:ext uri="{FF2B5EF4-FFF2-40B4-BE49-F238E27FC236}">
+                <a16:creationId xmlns:a16="http://schemas.microsoft.com/office/drawing/2014/main" id="{CDE0B748-F1C5-8749-8C42-DAC929DFFC5F}"/>
+              </a:ext>
+            </a:extLst>
+          </p:cNvPr>
           <p:cNvSpPr>
             <a:spLocks noGrp="1"/>
           </p:cNvSpPr>
@@ -2297,7 +2019,7 @@
           <a:bodyPr/>
           <a:lstStyle/>
           <a:p>
-            <a:fld id="{8C7D807A-D3EC-4DEA-86E2-120E4093F1A6}" type="slidenum">
+            <a:fld id="{8E05DC9C-C50D-D242-B083-59CEE07163F1}" type="slidenum">
               <a:rPr lang="en-US" smtClean="0"/>
               <a:t>‹#›</a:t>
             </a:fld>
@@ -2308,7 +2030,7 @@
     </p:spTree>
     <p:extLst>
       <p:ext uri="{BB962C8B-B14F-4D97-AF65-F5344CB8AC3E}">
-        <p14:creationId xmlns:p14="http://schemas.microsoft.com/office/powerpoint/2010/main" val="2280913962"/>
+        <p14:creationId xmlns:p14="http://schemas.microsoft.com/office/powerpoint/2010/main" val="1307546782"/>
       </p:ext>
     </p:extLst>
   </p:cSld>
@@ -2337,7 +2059,13 @@
       </p:grpSpPr>
       <p:sp>
         <p:nvSpPr>
-          <p:cNvPr id="2" name="Date Placeholder 1"/>
+          <p:cNvPr id="2" name="Date Placeholder 1">
+            <a:extLst>
+              <a:ext uri="{FF2B5EF4-FFF2-40B4-BE49-F238E27FC236}">
+                <a16:creationId xmlns:a16="http://schemas.microsoft.com/office/drawing/2014/main" id="{CFFE7249-F53D-4B4D-A448-22699C3D26CB}"/>
+              </a:ext>
+            </a:extLst>
+          </p:cNvPr>
           <p:cNvSpPr>
             <a:spLocks noGrp="1"/>
           </p:cNvSpPr>
@@ -2350,9 +2078,9 @@
           <a:bodyPr/>
           <a:lstStyle/>
           <a:p>
-            <a:fld id="{627ED9C8-F09A-4D9E-BEC0-4725162E21FF}" type="datetimeFigureOut">
+            <a:fld id="{37A2730A-859E-B540-ADF3-E97069AD1FDB}" type="datetimeFigureOut">
               <a:rPr lang="en-US" smtClean="0"/>
-              <a:t>12/30/22</a:t>
+              <a:t>1/12/2023</a:t>
             </a:fld>
             <a:endParaRPr lang="en-US"/>
           </a:p>
@@ -2360,7 +2088,13 @@
       </p:sp>
       <p:sp>
         <p:nvSpPr>
-          <p:cNvPr id="3" name="Footer Placeholder 2"/>
+          <p:cNvPr id="3" name="Footer Placeholder 2">
+            <a:extLst>
+              <a:ext uri="{FF2B5EF4-FFF2-40B4-BE49-F238E27FC236}">
+                <a16:creationId xmlns:a16="http://schemas.microsoft.com/office/drawing/2014/main" id="{54682F3B-F381-C642-956B-8B897A4E6BF3}"/>
+              </a:ext>
+            </a:extLst>
+          </p:cNvPr>
           <p:cNvSpPr>
             <a:spLocks noGrp="1"/>
           </p:cNvSpPr>
@@ -2379,7 +2113,13 @@
       </p:sp>
       <p:sp>
         <p:nvSpPr>
-          <p:cNvPr id="4" name="Slide Number Placeholder 3"/>
+          <p:cNvPr id="4" name="Slide Number Placeholder 3">
+            <a:extLst>
+              <a:ext uri="{FF2B5EF4-FFF2-40B4-BE49-F238E27FC236}">
+                <a16:creationId xmlns:a16="http://schemas.microsoft.com/office/drawing/2014/main" id="{FC599A17-3A94-2D4B-863A-D140FD43EA0B}"/>
+              </a:ext>
+            </a:extLst>
+          </p:cNvPr>
           <p:cNvSpPr>
             <a:spLocks noGrp="1"/>
           </p:cNvSpPr>
@@ -2392,7 +2132,7 @@
           <a:bodyPr/>
           <a:lstStyle/>
           <a:p>
-            <a:fld id="{8C7D807A-D3EC-4DEA-86E2-120E4093F1A6}" type="slidenum">
+            <a:fld id="{8E05DC9C-C50D-D242-B083-59CEE07163F1}" type="slidenum">
               <a:rPr lang="en-US" smtClean="0"/>
               <a:t>‹#›</a:t>
             </a:fld>
@@ -2403,7 +2143,7 @@
     </p:spTree>
     <p:extLst>
       <p:ext uri="{BB962C8B-B14F-4D97-AF65-F5344CB8AC3E}">
-        <p14:creationId xmlns:p14="http://schemas.microsoft.com/office/powerpoint/2010/main" val="2358181125"/>
+        <p14:creationId xmlns:p14="http://schemas.microsoft.com/office/powerpoint/2010/main" val="2799842099"/>
       </p:ext>
     </p:extLst>
   </p:cSld>
@@ -2432,7 +2172,13 @@
       </p:grpSpPr>
       <p:sp>
         <p:nvSpPr>
-          <p:cNvPr id="2" name="Title 1"/>
+          <p:cNvPr id="2" name="Title 1">
+            <a:extLst>
+              <a:ext uri="{FF2B5EF4-FFF2-40B4-BE49-F238E27FC236}">
+                <a16:creationId xmlns:a16="http://schemas.microsoft.com/office/drawing/2014/main" id="{867E8CEF-1C51-8C45-A4DD-823EF2ED1918}"/>
+              </a:ext>
+            </a:extLst>
+          </p:cNvPr>
           <p:cNvSpPr>
             <a:spLocks noGrp="1"/>
           </p:cNvSpPr>
@@ -2463,7 +2209,13 @@
       </p:sp>
       <p:sp>
         <p:nvSpPr>
-          <p:cNvPr id="3" name="Content Placeholder 2"/>
+          <p:cNvPr id="3" name="Content Placeholder 2">
+            <a:extLst>
+              <a:ext uri="{FF2B5EF4-FFF2-40B4-BE49-F238E27FC236}">
+                <a16:creationId xmlns:a16="http://schemas.microsoft.com/office/drawing/2014/main" id="{B8E374CA-1122-FA4B-B960-C80ADBD8CFB4}"/>
+              </a:ext>
+            </a:extLst>
+          </p:cNvPr>
           <p:cNvSpPr>
             <a:spLocks noGrp="1"/>
           </p:cNvSpPr>
@@ -2547,7 +2299,13 @@
       </p:sp>
       <p:sp>
         <p:nvSpPr>
-          <p:cNvPr id="4" name="Text Placeholder 3"/>
+          <p:cNvPr id="4" name="Text Placeholder 3">
+            <a:extLst>
+              <a:ext uri="{FF2B5EF4-FFF2-40B4-BE49-F238E27FC236}">
+                <a16:creationId xmlns:a16="http://schemas.microsoft.com/office/drawing/2014/main" id="{C2EA1D2F-31D9-944B-9E05-A6DF632D8BC8}"/>
+              </a:ext>
+            </a:extLst>
+          </p:cNvPr>
           <p:cNvSpPr>
             <a:spLocks noGrp="1"/>
           </p:cNvSpPr>
@@ -2612,7 +2370,13 @@
       </p:sp>
       <p:sp>
         <p:nvSpPr>
-          <p:cNvPr id="5" name="Date Placeholder 4"/>
+          <p:cNvPr id="5" name="Date Placeholder 4">
+            <a:extLst>
+              <a:ext uri="{FF2B5EF4-FFF2-40B4-BE49-F238E27FC236}">
+                <a16:creationId xmlns:a16="http://schemas.microsoft.com/office/drawing/2014/main" id="{3438C1F2-E75A-7847-BE97-4BAFD26A3C17}"/>
+              </a:ext>
+            </a:extLst>
+          </p:cNvPr>
           <p:cNvSpPr>
             <a:spLocks noGrp="1"/>
           </p:cNvSpPr>
@@ -2625,9 +2389,9 @@
           <a:bodyPr/>
           <a:lstStyle/>
           <a:p>
-            <a:fld id="{627ED9C8-F09A-4D9E-BEC0-4725162E21FF}" type="datetimeFigureOut">
+            <a:fld id="{37A2730A-859E-B540-ADF3-E97069AD1FDB}" type="datetimeFigureOut">
               <a:rPr lang="en-US" smtClean="0"/>
-              <a:t>12/30/22</a:t>
+              <a:t>1/12/2023</a:t>
             </a:fld>
             <a:endParaRPr lang="en-US"/>
           </a:p>
@@ -2635,7 +2399,13 @@
       </p:sp>
       <p:sp>
         <p:nvSpPr>
-          <p:cNvPr id="6" name="Footer Placeholder 5"/>
+          <p:cNvPr id="6" name="Footer Placeholder 5">
+            <a:extLst>
+              <a:ext uri="{FF2B5EF4-FFF2-40B4-BE49-F238E27FC236}">
+                <a16:creationId xmlns:a16="http://schemas.microsoft.com/office/drawing/2014/main" id="{87989FF9-DBBA-CD42-95A8-C1446B0102BF}"/>
+              </a:ext>
+            </a:extLst>
+          </p:cNvPr>
           <p:cNvSpPr>
             <a:spLocks noGrp="1"/>
           </p:cNvSpPr>
@@ -2654,7 +2424,13 @@
       </p:sp>
       <p:sp>
         <p:nvSpPr>
-          <p:cNvPr id="7" name="Slide Number Placeholder 6"/>
+          <p:cNvPr id="7" name="Slide Number Placeholder 6">
+            <a:extLst>
+              <a:ext uri="{FF2B5EF4-FFF2-40B4-BE49-F238E27FC236}">
+                <a16:creationId xmlns:a16="http://schemas.microsoft.com/office/drawing/2014/main" id="{CB918F56-7D9A-9D48-8FD1-C96B13CCAF54}"/>
+              </a:ext>
+            </a:extLst>
+          </p:cNvPr>
           <p:cNvSpPr>
             <a:spLocks noGrp="1"/>
           </p:cNvSpPr>
@@ -2667,7 +2443,7 @@
           <a:bodyPr/>
           <a:lstStyle/>
           <a:p>
-            <a:fld id="{8C7D807A-D3EC-4DEA-86E2-120E4093F1A6}" type="slidenum">
+            <a:fld id="{8E05DC9C-C50D-D242-B083-59CEE07163F1}" type="slidenum">
               <a:rPr lang="en-US" smtClean="0"/>
               <a:t>‹#›</a:t>
             </a:fld>
@@ -2678,7 +2454,7 @@
     </p:spTree>
     <p:extLst>
       <p:ext uri="{BB962C8B-B14F-4D97-AF65-F5344CB8AC3E}">
-        <p14:creationId xmlns:p14="http://schemas.microsoft.com/office/powerpoint/2010/main" val="993390432"/>
+        <p14:creationId xmlns:p14="http://schemas.microsoft.com/office/powerpoint/2010/main" val="3676740826"/>
       </p:ext>
     </p:extLst>
   </p:cSld>
@@ -2707,7 +2483,13 @@
       </p:grpSpPr>
       <p:sp>
         <p:nvSpPr>
-          <p:cNvPr id="2" name="Title 1"/>
+          <p:cNvPr id="2" name="Title 1">
+            <a:extLst>
+              <a:ext uri="{FF2B5EF4-FFF2-40B4-BE49-F238E27FC236}">
+                <a16:creationId xmlns:a16="http://schemas.microsoft.com/office/drawing/2014/main" id="{36E687D9-2240-8D42-BF6D-3237D5EF1CAE}"/>
+              </a:ext>
+            </a:extLst>
+          </p:cNvPr>
           <p:cNvSpPr>
             <a:spLocks noGrp="1"/>
           </p:cNvSpPr>
@@ -2738,7 +2520,13 @@
       </p:sp>
       <p:sp>
         <p:nvSpPr>
-          <p:cNvPr id="3" name="Picture Placeholder 2"/>
+          <p:cNvPr id="3" name="Picture Placeholder 2">
+            <a:extLst>
+              <a:ext uri="{FF2B5EF4-FFF2-40B4-BE49-F238E27FC236}">
+                <a16:creationId xmlns:a16="http://schemas.microsoft.com/office/drawing/2014/main" id="{9333825A-5AFC-8A42-93C4-F00E40A0FD93}"/>
+              </a:ext>
+            </a:extLst>
+          </p:cNvPr>
           <p:cNvSpPr>
             <a:spLocks noGrp="1"/>
           </p:cNvSpPr>
@@ -2799,7 +2587,13 @@
       </p:sp>
       <p:sp>
         <p:nvSpPr>
-          <p:cNvPr id="4" name="Text Placeholder 3"/>
+          <p:cNvPr id="4" name="Text Placeholder 3">
+            <a:extLst>
+              <a:ext uri="{FF2B5EF4-FFF2-40B4-BE49-F238E27FC236}">
+                <a16:creationId xmlns:a16="http://schemas.microsoft.com/office/drawing/2014/main" id="{7DF956E5-5DA8-AB49-9E03-65283DF2A3A3}"/>
+              </a:ext>
+            </a:extLst>
+          </p:cNvPr>
           <p:cNvSpPr>
             <a:spLocks noGrp="1"/>
           </p:cNvSpPr>
@@ -2864,7 +2658,13 @@
       </p:sp>
       <p:sp>
         <p:nvSpPr>
-          <p:cNvPr id="5" name="Date Placeholder 4"/>
+          <p:cNvPr id="5" name="Date Placeholder 4">
+            <a:extLst>
+              <a:ext uri="{FF2B5EF4-FFF2-40B4-BE49-F238E27FC236}">
+                <a16:creationId xmlns:a16="http://schemas.microsoft.com/office/drawing/2014/main" id="{078163D5-4687-C243-A8A2-0650A7887076}"/>
+              </a:ext>
+            </a:extLst>
+          </p:cNvPr>
           <p:cNvSpPr>
             <a:spLocks noGrp="1"/>
           </p:cNvSpPr>
@@ -2877,9 +2677,9 @@
           <a:bodyPr/>
           <a:lstStyle/>
           <a:p>
-            <a:fld id="{627ED9C8-F09A-4D9E-BEC0-4725162E21FF}" type="datetimeFigureOut">
+            <a:fld id="{37A2730A-859E-B540-ADF3-E97069AD1FDB}" type="datetimeFigureOut">
               <a:rPr lang="en-US" smtClean="0"/>
-              <a:t>12/30/22</a:t>
+              <a:t>1/12/2023</a:t>
             </a:fld>
             <a:endParaRPr lang="en-US"/>
           </a:p>
@@ -2887,7 +2687,13 @@
       </p:sp>
       <p:sp>
         <p:nvSpPr>
-          <p:cNvPr id="6" name="Footer Placeholder 5"/>
+          <p:cNvPr id="6" name="Footer Placeholder 5">
+            <a:extLst>
+              <a:ext uri="{FF2B5EF4-FFF2-40B4-BE49-F238E27FC236}">
+                <a16:creationId xmlns:a16="http://schemas.microsoft.com/office/drawing/2014/main" id="{38300BF0-29B6-B343-A484-59353A8ACA83}"/>
+              </a:ext>
+            </a:extLst>
+          </p:cNvPr>
           <p:cNvSpPr>
             <a:spLocks noGrp="1"/>
           </p:cNvSpPr>
@@ -2906,7 +2712,13 @@
       </p:sp>
       <p:sp>
         <p:nvSpPr>
-          <p:cNvPr id="7" name="Slide Number Placeholder 6"/>
+          <p:cNvPr id="7" name="Slide Number Placeholder 6">
+            <a:extLst>
+              <a:ext uri="{FF2B5EF4-FFF2-40B4-BE49-F238E27FC236}">
+                <a16:creationId xmlns:a16="http://schemas.microsoft.com/office/drawing/2014/main" id="{4F48E5C9-1065-5147-B725-91FB99153EC6}"/>
+              </a:ext>
+            </a:extLst>
+          </p:cNvPr>
           <p:cNvSpPr>
             <a:spLocks noGrp="1"/>
           </p:cNvSpPr>
@@ -2919,7 +2731,7 @@
           <a:bodyPr/>
           <a:lstStyle/>
           <a:p>
-            <a:fld id="{8C7D807A-D3EC-4DEA-86E2-120E4093F1A6}" type="slidenum">
+            <a:fld id="{8E05DC9C-C50D-D242-B083-59CEE07163F1}" type="slidenum">
               <a:rPr lang="en-US" smtClean="0"/>
               <a:t>‹#›</a:t>
             </a:fld>
@@ -2930,7 +2742,7 @@
     </p:spTree>
     <p:extLst>
       <p:ext uri="{BB962C8B-B14F-4D97-AF65-F5344CB8AC3E}">
-        <p14:creationId xmlns:p14="http://schemas.microsoft.com/office/powerpoint/2010/main" val="2884807526"/>
+        <p14:creationId xmlns:p14="http://schemas.microsoft.com/office/powerpoint/2010/main" val="4116017357"/>
       </p:ext>
     </p:extLst>
   </p:cSld>
@@ -2941,7 +2753,7 @@
 </file>
 
 <file path=ppt/slideMasters/slideMaster1.xml><?xml version="1.0" encoding="utf-8"?>
-<p:sldMaster xmlns:a="http://schemas.openxmlformats.org/drawingml/2006/main" xmlns:r="http://schemas.openxmlformats.org/officeDocument/2006/relationships" xmlns:p="http://schemas.openxmlformats.org/presentationml/2006/main" preserve="1">
+<p:sldMaster xmlns:a="http://schemas.openxmlformats.org/drawingml/2006/main" xmlns:r="http://schemas.openxmlformats.org/officeDocument/2006/relationships" xmlns:p="http://schemas.openxmlformats.org/presentationml/2006/main">
   <p:cSld>
     <p:bg>
       <p:bgRef idx="1001">
@@ -2964,7 +2776,13 @@
       </p:grpSpPr>
       <p:sp>
         <p:nvSpPr>
-          <p:cNvPr id="2" name="Title Placeholder 1"/>
+          <p:cNvPr id="2" name="Title Placeholder 1">
+            <a:extLst>
+              <a:ext uri="{FF2B5EF4-FFF2-40B4-BE49-F238E27FC236}">
+                <a16:creationId xmlns:a16="http://schemas.microsoft.com/office/drawing/2014/main" id="{1B0B6787-B51F-DB42-9E52-63E10EB8651A}"/>
+              </a:ext>
+            </a:extLst>
+          </p:cNvPr>
           <p:cNvSpPr>
             <a:spLocks noGrp="1"/>
           </p:cNvSpPr>
@@ -2996,7 +2814,13 @@
       </p:sp>
       <p:sp>
         <p:nvSpPr>
-          <p:cNvPr id="3" name="Text Placeholder 2"/>
+          <p:cNvPr id="3" name="Text Placeholder 2">
+            <a:extLst>
+              <a:ext uri="{FF2B5EF4-FFF2-40B4-BE49-F238E27FC236}">
+                <a16:creationId xmlns:a16="http://schemas.microsoft.com/office/drawing/2014/main" id="{563B9472-27F5-2144-BCEC-3E0A96761AF5}"/>
+              </a:ext>
+            </a:extLst>
+          </p:cNvPr>
           <p:cNvSpPr>
             <a:spLocks noGrp="1"/>
           </p:cNvSpPr>
@@ -3057,7 +2881,13 @@
       </p:sp>
       <p:sp>
         <p:nvSpPr>
-          <p:cNvPr id="4" name="Date Placeholder 3"/>
+          <p:cNvPr id="4" name="Date Placeholder 3">
+            <a:extLst>
+              <a:ext uri="{FF2B5EF4-FFF2-40B4-BE49-F238E27FC236}">
+                <a16:creationId xmlns:a16="http://schemas.microsoft.com/office/drawing/2014/main" id="{6F352788-8A6E-D24F-82D2-F38C9E41A4A6}"/>
+              </a:ext>
+            </a:extLst>
+          </p:cNvPr>
           <p:cNvSpPr>
             <a:spLocks noGrp="1"/>
           </p:cNvSpPr>
@@ -3088,9 +2918,9 @@
             </a:lvl1pPr>
           </a:lstStyle>
           <a:p>
-            <a:fld id="{627ED9C8-F09A-4D9E-BEC0-4725162E21FF}" type="datetimeFigureOut">
+            <a:fld id="{37A2730A-859E-B540-ADF3-E97069AD1FDB}" type="datetimeFigureOut">
               <a:rPr lang="en-US" smtClean="0"/>
-              <a:t>12/30/22</a:t>
+              <a:t>1/12/2023</a:t>
             </a:fld>
             <a:endParaRPr lang="en-US"/>
           </a:p>
@@ -3098,7 +2928,13 @@
       </p:sp>
       <p:sp>
         <p:nvSpPr>
-          <p:cNvPr id="5" name="Footer Placeholder 4"/>
+          <p:cNvPr id="5" name="Footer Placeholder 4">
+            <a:extLst>
+              <a:ext uri="{FF2B5EF4-FFF2-40B4-BE49-F238E27FC236}">
+                <a16:creationId xmlns:a16="http://schemas.microsoft.com/office/drawing/2014/main" id="{A81DDB45-653D-0C49-B78E-967549C7BA6C}"/>
+              </a:ext>
+            </a:extLst>
+          </p:cNvPr>
           <p:cNvSpPr>
             <a:spLocks noGrp="1"/>
           </p:cNvSpPr>
@@ -3135,7 +2971,13 @@
       </p:sp>
       <p:sp>
         <p:nvSpPr>
-          <p:cNvPr id="6" name="Slide Number Placeholder 5"/>
+          <p:cNvPr id="6" name="Slide Number Placeholder 5">
+            <a:extLst>
+              <a:ext uri="{FF2B5EF4-FFF2-40B4-BE49-F238E27FC236}">
+                <a16:creationId xmlns:a16="http://schemas.microsoft.com/office/drawing/2014/main" id="{DCADC715-0B9A-0348-A62C-3F8BCE535B34}"/>
+              </a:ext>
+            </a:extLst>
+          </p:cNvPr>
           <p:cNvSpPr>
             <a:spLocks noGrp="1"/>
           </p:cNvSpPr>
@@ -3166,7 +3008,7 @@
             </a:lvl1pPr>
           </a:lstStyle>
           <a:p>
-            <a:fld id="{8C7D807A-D3EC-4DEA-86E2-120E4093F1A6}" type="slidenum">
+            <a:fld id="{8E05DC9C-C50D-D242-B083-59CEE07163F1}" type="slidenum">
               <a:rPr lang="en-US" smtClean="0"/>
               <a:t>‹#›</a:t>
             </a:fld>
@@ -3177,23 +3019,23 @@
     </p:spTree>
     <p:extLst>
       <p:ext uri="{BB962C8B-B14F-4D97-AF65-F5344CB8AC3E}">
-        <p14:creationId xmlns:p14="http://schemas.microsoft.com/office/powerpoint/2010/main" val="1423691093"/>
+        <p14:creationId xmlns:p14="http://schemas.microsoft.com/office/powerpoint/2010/main" val="2768849038"/>
       </p:ext>
     </p:extLst>
   </p:cSld>
   <p:clrMap bg1="lt1" tx1="dk1" bg2="lt2" tx2="dk2" accent1="accent1" accent2="accent2" accent3="accent3" accent4="accent4" accent5="accent5" accent6="accent6" hlink="hlink" folHlink="folHlink"/>
   <p:sldLayoutIdLst>
-    <p:sldLayoutId id="2147483661" r:id="rId1"/>
-    <p:sldLayoutId id="2147483662" r:id="rId2"/>
-    <p:sldLayoutId id="2147483663" r:id="rId3"/>
-    <p:sldLayoutId id="2147483664" r:id="rId4"/>
-    <p:sldLayoutId id="2147483665" r:id="rId5"/>
-    <p:sldLayoutId id="2147483666" r:id="rId6"/>
-    <p:sldLayoutId id="2147483667" r:id="rId7"/>
-    <p:sldLayoutId id="2147483668" r:id="rId8"/>
-    <p:sldLayoutId id="2147483669" r:id="rId9"/>
-    <p:sldLayoutId id="2147483670" r:id="rId10"/>
-    <p:sldLayoutId id="2147483671" r:id="rId11"/>
+    <p:sldLayoutId id="2147483649" r:id="rId1"/>
+    <p:sldLayoutId id="2147483650" r:id="rId2"/>
+    <p:sldLayoutId id="2147483651" r:id="rId3"/>
+    <p:sldLayoutId id="2147483652" r:id="rId4"/>
+    <p:sldLayoutId id="2147483653" r:id="rId5"/>
+    <p:sldLayoutId id="2147483654" r:id="rId6"/>
+    <p:sldLayoutId id="2147483655" r:id="rId7"/>
+    <p:sldLayoutId id="2147483656" r:id="rId8"/>
+    <p:sldLayoutId id="2147483657" r:id="rId9"/>
+    <p:sldLayoutId id="2147483658" r:id="rId10"/>
+    <p:sldLayoutId id="2147483659" r:id="rId11"/>
   </p:sldLayoutIdLst>
   <p:txStyles>
     <p:titleStyle>
@@ -3481,14 +3323,6 @@
 <file path=ppt/slides/slide1.xml><?xml version="1.0" encoding="utf-8"?>
 <p:sld xmlns:a="http://schemas.openxmlformats.org/drawingml/2006/main" xmlns:r="http://schemas.openxmlformats.org/officeDocument/2006/relationships" xmlns:p="http://schemas.openxmlformats.org/presentationml/2006/main">
   <p:cSld>
-    <p:bg>
-      <p:bgPr>
-        <a:solidFill>
-          <a:schemeClr val="tx1"/>
-        </a:solidFill>
-        <a:effectLst/>
-      </p:bgPr>
-    </p:bg>
     <p:spTree>
       <p:nvGrpSpPr>
         <p:cNvPr id="1" name=""/>
@@ -3503,549 +3337,177 @@
           <a:chExt cx="0" cy="0"/>
         </a:xfrm>
       </p:grpSpPr>
+      <p:sp>
+        <p:nvSpPr>
+          <p:cNvPr id="6" name="Add-in_Banner">
+            <a:extLst>
+              <a:ext uri="{FF2B5EF4-FFF2-40B4-BE49-F238E27FC236}">
+                <a16:creationId xmlns:a16="http://schemas.microsoft.com/office/drawing/2014/main" id="{3469E413-BCF5-4E2F-BE4B-EB617C589FA5}"/>
+              </a:ext>
+            </a:extLst>
+          </p:cNvPr>
+          <p:cNvSpPr txBox="1">
+            <a:spLocks noGrp="1"/>
+          </p:cNvSpPr>
+          <p:nvPr>
+            <p:ph type="title"/>
+          </p:nvPr>
+        </p:nvSpPr>
+        <p:spPr>
+          <a:xfrm>
+            <a:off x="0" y="351395"/>
+            <a:ext cx="12192000" cy="640515"/>
+          </a:xfrm>
+          <a:prstGeom prst="rect">
+            <a:avLst/>
+          </a:prstGeom>
+          <a:solidFill>
+            <a:srgbClr val="494748">
+              <a:alpha val="4706"/>
+            </a:srgbClr>
+          </a:solidFill>
+          <a:ln>
+            <a:noFill/>
+          </a:ln>
+        </p:spPr>
+        <p:style>
+          <a:lnRef idx="2">
+            <a:schemeClr val="accent1">
+              <a:shade val="50000"/>
+            </a:schemeClr>
+          </a:lnRef>
+          <a:fillRef idx="1">
+            <a:schemeClr val="accent1"/>
+          </a:fillRef>
+          <a:effectRef idx="0">
+            <a:schemeClr val="accent1"/>
+          </a:effectRef>
+          <a:fontRef idx="minor">
+            <a:schemeClr val="lt1"/>
+          </a:fontRef>
+        </p:style>
+        <p:txBody>
+          <a:bodyPr rot="0" spcFirstLastPara="0" vert="horz" wrap="square" lIns="1332000" tIns="180000" rIns="216000" bIns="180000" numCol="1" spcCol="0" rtlCol="0" fromWordArt="0" anchor="ctr" anchorCtr="0" forceAA="0" compatLnSpc="1">
+            <a:prstTxWarp prst="textNoShape">
+              <a:avLst/>
+            </a:prstTxWarp>
+            <a:spAutoFit/>
+          </a:bodyPr>
+          <a:lstStyle/>
+          <a:p>
+            <a:pPr algn="l" rtl="0">
+              <a:spcAft>
+                <a:spcPts val="0"/>
+              </a:spcAft>
+            </a:pPr>
+            <a:r>
+              <a:rPr lang="en-GB" sz="1800" dirty="0">
+                <a:solidFill>
+                  <a:srgbClr val="000000"/>
+                </a:solidFill>
+                <a:effectLst/>
+                <a:latin typeface="Segoe UI Light" panose="020B0502040204020203" pitchFamily="34" charset="0"/>
+                <a:ea typeface="Calibri" panose="020F0502020204030204" pitchFamily="34" charset="0"/>
+                <a:cs typeface="Segoe UI Light" panose="020B0502040204020203" pitchFamily="34" charset="0"/>
+              </a:rPr>
+              <a:t>Microsoft Power BI</a:t>
+            </a:r>
+            <a:endParaRPr lang="en-IE" sz="1200" dirty="0">
+              <a:effectLst/>
+              <a:latin typeface="Segoe UI Light" panose="020B0502040204020203" pitchFamily="34" charset="0"/>
+              <a:ea typeface="Calibri" panose="020F0502020204030204" pitchFamily="34" charset="0"/>
+              <a:cs typeface="Segoe UI Light" panose="020B0502040204020203" pitchFamily="34" charset="0"/>
+            </a:endParaRPr>
+          </a:p>
+        </p:txBody>
+      </p:sp>
       <p:pic>
         <p:nvPicPr>
-          <p:cNvPr id="9" name="Picture 8">
-            <a:extLst>
-              <a:ext uri="{C183D7F6-B498-43B3-948B-1728B52AA6E4}">
-                <adec:decorative xmlns:adec="http://schemas.microsoft.com/office/drawing/2017/decorative" val="1"/>
-              </a:ext>
-            </a:extLst>
-          </p:cNvPr>
-          <p:cNvPicPr>
-            <a:picLocks noChangeAspect="1"/>
-          </p:cNvPicPr>
+          <p:cNvPr id="7" name="Add-in_Icon" descr="Icon for Microsoft Power BI.">
+            <a:extLst>
+              <a:ext uri="{FF2B5EF4-FFF2-40B4-BE49-F238E27FC236}">
+                <a16:creationId xmlns:a16="http://schemas.microsoft.com/office/drawing/2014/main" id="{87D43E1C-7B4D-44A2-8E6D-6786349BFB58}"/>
+              </a:ext>
+            </a:extLst>
+          </p:cNvPr>
+          <p:cNvPicPr/>
           <p:nvPr/>
         </p:nvPicPr>
         <p:blipFill>
-          <a:blip r:embed="rId2">
-            <a:extLst>
-              <a:ext uri="{28A0092B-C50C-407E-A947-70E740481C1C}">
-                <a14:useLocalDpi xmlns:a14="http://schemas.microsoft.com/office/drawing/2010/main" val="0"/>
-              </a:ext>
-            </a:extLst>
-          </a:blip>
+          <a:blip r:embed="rId2"/>
           <a:stretch>
             <a:fillRect/>
           </a:stretch>
         </p:blipFill>
-        <p:spPr>
+        <p:spPr bwMode="auto">
           <a:xfrm>
-            <a:off x="0" y="0"/>
-            <a:ext cx="12192000" cy="6858000"/>
-          </a:xfrm>
-          <a:prstGeom prst="rect">
-            <a:avLst/>
-          </a:prstGeom>
-        </p:spPr>
-      </p:pic>
-      <p:sp>
-        <p:nvSpPr>
-          <p:cNvPr id="12" name="Title 1"/>
-          <p:cNvSpPr txBox="1">
-            <a:spLocks noGrp="1"/>
-          </p:cNvSpPr>
-          <p:nvPr>
-            <p:ph type="title" idx="4294967295"/>
-          </p:nvPr>
-        </p:nvSpPr>
-        <p:spPr>
-          <a:xfrm>
-            <a:off x="810584" y="2982149"/>
-            <a:ext cx="6314017" cy="600075"/>
-          </a:xfrm>
-          <a:prstGeom prst="rect">
-            <a:avLst/>
-          </a:prstGeom>
-          <a:noFill/>
-          <a:ln>
-            <a:noFill/>
-            <a:prstDash/>
-          </a:ln>
-          <a:effectLst/>
-        </p:spPr>
-        <p:txBody>
-          <a:bodyPr rot="0" spcFirstLastPara="0" vertOverflow="overflow" horzOverflow="overflow" vert="horz" wrap="square" lIns="91440" tIns="45720" rIns="91440" bIns="45720" numCol="1" spcCol="0" rtlCol="0" fromWordArt="0" anchor="b" anchorCtr="0" forceAA="0" compatLnSpc="1">
-            <a:prstTxWarp prst="textNoShape">
-              <a:avLst/>
-            </a:prstTxWarp>
-            <a:normAutofit fontScale="90000"/>
-          </a:bodyPr>
-          <a:lstStyle>
-            <a:lvl1pPr algn="ctr" defTabSz="914400" rtl="0" eaLnBrk="1" latinLnBrk="0" hangingPunct="1">
-              <a:lnSpc>
-                <a:spcPct val="90000"/>
-              </a:lnSpc>
-              <a:spcBef>
-                <a:spcPct val="0"/>
-              </a:spcBef>
-              <a:buNone/>
-              <a:defRPr sz="4400" b="0" i="0" kern="1200" baseline="0">
-                <a:solidFill>
-                  <a:schemeClr val="tx1"/>
-                </a:solidFill>
-                <a:latin typeface="Segoe UI Light" charset="0"/>
-                <a:ea typeface="Segoe UI Light" charset="0"/>
-                <a:cs typeface="Segoe UI Light" charset="0"/>
-              </a:defRPr>
-            </a:lvl1pPr>
-          </a:lstStyle>
-          <a:p>
-            <a:pPr marL="0" marR="0" lvl="0" indent="0" algn="l" defTabSz="914400" rtl="0" eaLnBrk="1" fontAlgn="auto" latinLnBrk="0" hangingPunct="1">
-              <a:lnSpc>
-                <a:spcPct val="90000"/>
-              </a:lnSpc>
-              <a:spcBef>
-                <a:spcPct val="0"/>
-              </a:spcBef>
-              <a:spcAft>
-                <a:spcPts val="0"/>
-              </a:spcAft>
-              <a:buClrTx/>
-              <a:buSzTx/>
-              <a:buFontTx/>
-              <a:buNone/>
-              <a:tabLst/>
-              <a:defRPr/>
-            </a:pPr>
-            <a:r>
-              <a:rPr kumimoji="0" lang="en-US" sz="4400" b="0" i="0" u="none" strike="noStrike" kern="1200" cap="none" spc="0" normalizeH="0" baseline="0" noProof="0">
-                <a:ln>
-                  <a:noFill/>
-                </a:ln>
-                <a:solidFill>
-                  <a:srgbClr val="F3C910"/>
-                </a:solidFill>
-                <a:effectLst/>
-                <a:uLnTx/>
-                <a:uFillTx/>
-                <a:latin typeface="Segoe UI Light" charset="0"/>
-                <a:ea typeface="Segoe UI Light" charset="0"/>
-                <a:cs typeface="Segoe UI Light" charset="0"/>
-              </a:rPr>
-              <a:t>Customer Churn</a:t>
-            </a:r>
-            <a:endParaRPr kumimoji="0" lang="en-US" sz="4400" b="0" i="0" u="none" strike="noStrike" kern="1200" cap="none" spc="0" normalizeH="0" baseline="0" noProof="0" dirty="0">
-              <a:ln>
-                <a:noFill/>
-              </a:ln>
-              <a:solidFill>
-                <a:srgbClr val="F3C910"/>
-              </a:solidFill>
-              <a:effectLst/>
-              <a:uLnTx/>
-              <a:uFillTx/>
-              <a:latin typeface="Segoe UI Light" charset="0"/>
-              <a:ea typeface="Segoe UI Light" charset="0"/>
-              <a:cs typeface="Segoe UI Light" charset="0"/>
-            </a:endParaRPr>
-          </a:p>
-        </p:txBody>
-      </p:sp>
-      <p:sp>
-        <p:nvSpPr>
-          <p:cNvPr id="13" name="Text Placeholder 2"/>
-          <p:cNvSpPr txBox="1">
-            <a:spLocks/>
-          </p:cNvSpPr>
-          <p:nvPr/>
-        </p:nvSpPr>
-        <p:spPr>
-          <a:xfrm>
-            <a:off x="853448" y="3658761"/>
-            <a:ext cx="1488017" cy="253470"/>
-          </a:xfrm>
-          <a:prstGeom prst="rect">
-            <a:avLst/>
-          </a:prstGeom>
-        </p:spPr>
-        <p:txBody>
-          <a:bodyPr vert="horz" lIns="91440" tIns="45720" rIns="91440" bIns="45720" rtlCol="0">
-            <a:normAutofit lnSpcReduction="10000"/>
-          </a:bodyPr>
-          <a:lstStyle>
-            <a:lvl1pPr marL="0" indent="0" algn="ctr" defTabSz="914400" rtl="0" eaLnBrk="1" latinLnBrk="0" hangingPunct="1">
-              <a:lnSpc>
-                <a:spcPct val="90000"/>
-              </a:lnSpc>
-              <a:spcBef>
-                <a:spcPts val="1000"/>
-              </a:spcBef>
-              <a:buFont typeface="Arial"/>
-              <a:buNone/>
-              <a:defRPr sz="1200" b="0" i="0" u="sng" kern="1200">
-                <a:solidFill>
-                  <a:schemeClr val="tx1"/>
-                </a:solidFill>
-                <a:latin typeface="Segoe UI" charset="0"/>
-                <a:ea typeface="Segoe UI" charset="0"/>
-                <a:cs typeface="Segoe UI" charset="0"/>
-              </a:defRPr>
-            </a:lvl1pPr>
-            <a:lvl2pPr marL="457200" indent="0" algn="ctr" defTabSz="914400" rtl="0" eaLnBrk="1" latinLnBrk="0" hangingPunct="1">
-              <a:lnSpc>
-                <a:spcPct val="90000"/>
-              </a:lnSpc>
-              <a:spcBef>
-                <a:spcPts val="500"/>
-              </a:spcBef>
-              <a:buFont typeface="Arial"/>
-              <a:buNone/>
-              <a:defRPr sz="2000" kern="1200">
-                <a:solidFill>
-                  <a:schemeClr val="tx1">
-                    <a:tint val="75000"/>
-                  </a:schemeClr>
-                </a:solidFill>
-                <a:latin typeface="+mn-lt"/>
-                <a:ea typeface="+mn-ea"/>
-                <a:cs typeface="+mn-cs"/>
-              </a:defRPr>
-            </a:lvl2pPr>
-            <a:lvl3pPr marL="914400" indent="0" algn="ctr" defTabSz="914400" rtl="0" eaLnBrk="1" latinLnBrk="0" hangingPunct="1">
-              <a:lnSpc>
-                <a:spcPct val="90000"/>
-              </a:lnSpc>
-              <a:spcBef>
-                <a:spcPts val="500"/>
-              </a:spcBef>
-              <a:buFont typeface="Arial"/>
-              <a:buNone/>
-              <a:defRPr sz="1800" kern="1200">
-                <a:solidFill>
-                  <a:schemeClr val="tx1">
-                    <a:tint val="75000"/>
-                  </a:schemeClr>
-                </a:solidFill>
-                <a:latin typeface="+mn-lt"/>
-                <a:ea typeface="+mn-ea"/>
-                <a:cs typeface="+mn-cs"/>
-              </a:defRPr>
-            </a:lvl3pPr>
-            <a:lvl4pPr marL="1371600" indent="0" algn="ctr" defTabSz="914400" rtl="0" eaLnBrk="1" latinLnBrk="0" hangingPunct="1">
-              <a:lnSpc>
-                <a:spcPct val="90000"/>
-              </a:lnSpc>
-              <a:spcBef>
-                <a:spcPts val="500"/>
-              </a:spcBef>
-              <a:buFont typeface="Arial"/>
-              <a:buNone/>
-              <a:defRPr sz="1600" kern="1200">
-                <a:solidFill>
-                  <a:schemeClr val="tx1">
-                    <a:tint val="75000"/>
-                  </a:schemeClr>
-                </a:solidFill>
-                <a:latin typeface="+mn-lt"/>
-                <a:ea typeface="+mn-ea"/>
-                <a:cs typeface="+mn-cs"/>
-              </a:defRPr>
-            </a:lvl4pPr>
-            <a:lvl5pPr marL="1828800" indent="0" algn="ctr" defTabSz="914400" rtl="0" eaLnBrk="1" latinLnBrk="0" hangingPunct="1">
-              <a:lnSpc>
-                <a:spcPct val="90000"/>
-              </a:lnSpc>
-              <a:spcBef>
-                <a:spcPts val="500"/>
-              </a:spcBef>
-              <a:buFont typeface="Arial"/>
-              <a:buNone/>
-              <a:defRPr sz="1600" kern="1200">
-                <a:solidFill>
-                  <a:schemeClr val="tx1">
-                    <a:tint val="75000"/>
-                  </a:schemeClr>
-                </a:solidFill>
-                <a:latin typeface="+mn-lt"/>
-                <a:ea typeface="+mn-ea"/>
-                <a:cs typeface="+mn-cs"/>
-              </a:defRPr>
-            </a:lvl5pPr>
-            <a:lvl6pPr marL="2286000" indent="0" algn="ctr" defTabSz="914400" rtl="0" eaLnBrk="1" latinLnBrk="0" hangingPunct="1">
-              <a:lnSpc>
-                <a:spcPct val="90000"/>
-              </a:lnSpc>
-              <a:spcBef>
-                <a:spcPts val="500"/>
-              </a:spcBef>
-              <a:buFont typeface="Arial"/>
-              <a:buNone/>
-              <a:defRPr sz="1600" kern="1200">
-                <a:solidFill>
-                  <a:schemeClr val="tx1">
-                    <a:tint val="75000"/>
-                  </a:schemeClr>
-                </a:solidFill>
-                <a:latin typeface="+mn-lt"/>
-                <a:ea typeface="+mn-ea"/>
-                <a:cs typeface="+mn-cs"/>
-              </a:defRPr>
-            </a:lvl6pPr>
-            <a:lvl7pPr marL="2743200" indent="0" algn="ctr" defTabSz="914400" rtl="0" eaLnBrk="1" latinLnBrk="0" hangingPunct="1">
-              <a:lnSpc>
-                <a:spcPct val="90000"/>
-              </a:lnSpc>
-              <a:spcBef>
-                <a:spcPts val="500"/>
-              </a:spcBef>
-              <a:buFont typeface="Arial"/>
-              <a:buNone/>
-              <a:defRPr sz="1600" kern="1200">
-                <a:solidFill>
-                  <a:schemeClr val="tx1">
-                    <a:tint val="75000"/>
-                  </a:schemeClr>
-                </a:solidFill>
-                <a:latin typeface="+mn-lt"/>
-                <a:ea typeface="+mn-ea"/>
-                <a:cs typeface="+mn-cs"/>
-              </a:defRPr>
-            </a:lvl7pPr>
-            <a:lvl8pPr marL="3200400" indent="0" algn="ctr" defTabSz="914400" rtl="0" eaLnBrk="1" latinLnBrk="0" hangingPunct="1">
-              <a:lnSpc>
-                <a:spcPct val="90000"/>
-              </a:lnSpc>
-              <a:spcBef>
-                <a:spcPts val="500"/>
-              </a:spcBef>
-              <a:buFont typeface="Arial"/>
-              <a:buNone/>
-              <a:defRPr sz="1600" kern="1200">
-                <a:solidFill>
-                  <a:schemeClr val="tx1">
-                    <a:tint val="75000"/>
-                  </a:schemeClr>
-                </a:solidFill>
-                <a:latin typeface="+mn-lt"/>
-                <a:ea typeface="+mn-ea"/>
-                <a:cs typeface="+mn-cs"/>
-              </a:defRPr>
-            </a:lvl8pPr>
-            <a:lvl9pPr marL="3657600" indent="0" algn="ctr" defTabSz="914400" rtl="0" eaLnBrk="1" latinLnBrk="0" hangingPunct="1">
-              <a:lnSpc>
-                <a:spcPct val="90000"/>
-              </a:lnSpc>
-              <a:spcBef>
-                <a:spcPts val="500"/>
-              </a:spcBef>
-              <a:buFont typeface="Arial"/>
-              <a:buNone/>
-              <a:defRPr sz="1600" kern="1200">
-                <a:solidFill>
-                  <a:schemeClr val="tx1">
-                    <a:tint val="75000"/>
-                  </a:schemeClr>
-                </a:solidFill>
-                <a:latin typeface="+mn-lt"/>
-                <a:ea typeface="+mn-ea"/>
-                <a:cs typeface="+mn-cs"/>
-              </a:defRPr>
-            </a:lvl9pPr>
-          </a:lstStyle>
-          <a:p>
-            <a:pPr algn="l"/>
-            <a:r>
-              <a:rPr lang="en-US" dirty="0">
-                <a:solidFill>
-                  <a:schemeClr val="bg1"/>
-                </a:solidFill>
-                <a:hlinkClick r:id="rId3"/>
-              </a:rPr>
-              <a:t>View in Power BI</a:t>
-            </a:r>
-            <a:endParaRPr lang="en-US" dirty="0">
-              <a:solidFill>
-                <a:schemeClr val="bg1"/>
-              </a:solidFill>
-            </a:endParaRPr>
-          </a:p>
-        </p:txBody>
-      </p:sp>
-      <p:sp>
-        <p:nvSpPr>
-          <p:cNvPr id="17" name="TextBox 16"/>
-          <p:cNvSpPr txBox="1"/>
-          <p:nvPr/>
-        </p:nvSpPr>
-        <p:spPr>
-          <a:xfrm>
-            <a:off x="832315" y="5823544"/>
-            <a:ext cx="2177716" cy="369332"/>
+            <a:off x="914400" y="530365"/>
+            <a:ext cx="291465" cy="291465"/>
           </a:xfrm>
           <a:prstGeom prst="rect">
             <a:avLst/>
           </a:prstGeom>
           <a:noFill/>
         </p:spPr>
-        <p:txBody>
-          <a:bodyPr wrap="square" rtlCol="0">
-            <a:spAutoFit/>
-          </a:bodyPr>
-          <a:lstStyle/>
-          <a:p>
-            <a:r>
-              <a:rPr lang="en-US" sz="900" b="1" i="0" dirty="0">
-                <a:solidFill>
-                  <a:schemeClr val="bg1"/>
-                </a:solidFill>
-                <a:latin typeface="Segoe UI Semibold" charset="0"/>
-                <a:ea typeface="Segoe UI Semibold" charset="0"/>
-                <a:cs typeface="Segoe UI Semibold" charset="0"/>
-              </a:rPr>
-              <a:t>Downloaded at:</a:t>
-            </a:r>
-          </a:p>
-          <a:p>
-            <a:r>
-              <a:rPr lang="en-US" sz="900" b="0" i="0" dirty="0">
-                <a:solidFill>
-                  <a:schemeClr val="bg1"/>
-                </a:solidFill>
-                <a:latin typeface="Segoe UI" charset="0"/>
-                <a:ea typeface="Segoe UI" charset="0"/>
-                <a:cs typeface="Segoe UI" charset="0"/>
-              </a:rPr>
-              <a:t>30/12/2022 18:08:30 UTC</a:t>
-            </a:r>
-          </a:p>
-        </p:txBody>
-      </p:sp>
-      <p:sp>
-        <p:nvSpPr>
-          <p:cNvPr id="10" name="TextBox 9"/>
-          <p:cNvSpPr txBox="1"/>
-          <p:nvPr/>
-        </p:nvSpPr>
-        <p:spPr>
-          <a:xfrm>
-            <a:off x="828512" y="5407903"/>
-            <a:ext cx="2177716" cy="369332"/>
-          </a:xfrm>
-          <a:prstGeom prst="rect">
-            <a:avLst/>
-          </a:prstGeom>
-          <a:noFill/>
-        </p:spPr>
-        <p:txBody>
-          <a:bodyPr wrap="square" rtlCol="0">
-            <a:spAutoFit/>
-          </a:bodyPr>
-          <a:lstStyle/>
-          <a:p>
-            <a:r>
-              <a:rPr lang="en-US" sz="900" b="1" dirty="0">
-                <a:solidFill>
-                  <a:schemeClr val="bg1"/>
-                </a:solidFill>
-                <a:latin typeface="Segoe UI Semibold" charset="0"/>
-                <a:ea typeface="Segoe UI Semibold" charset="0"/>
-                <a:cs typeface="Segoe UI Semibold" charset="0"/>
-              </a:rPr>
-              <a:t>Last data refresh:</a:t>
-            </a:r>
-            <a:endParaRPr lang="en-US" sz="900" b="1" i="0" dirty="0">
-              <a:solidFill>
-                <a:schemeClr val="bg1"/>
-              </a:solidFill>
-              <a:latin typeface="Segoe UI Semibold" charset="0"/>
-              <a:ea typeface="Segoe UI Semibold" charset="0"/>
-              <a:cs typeface="Segoe UI Semibold" charset="0"/>
-            </a:endParaRPr>
-          </a:p>
-          <a:p>
-            <a:r>
-              <a:rPr lang="en-US" sz="900" dirty="0">
-                <a:solidFill>
-                  <a:schemeClr val="bg1"/>
-                </a:solidFill>
-                <a:latin typeface="Segoe UI" charset="0"/>
-                <a:ea typeface="Segoe UI" charset="0"/>
-                <a:cs typeface="Segoe UI" charset="0"/>
-              </a:rPr>
-              <a:t>30/12/2022 18:03:43 UTC</a:t>
-            </a:r>
-            <a:endParaRPr lang="en-US" sz="900" b="0" i="0" dirty="0">
-              <a:solidFill>
-                <a:schemeClr val="bg1"/>
-              </a:solidFill>
-              <a:latin typeface="Segoe UI" charset="0"/>
-              <a:ea typeface="Segoe UI" charset="0"/>
-              <a:cs typeface="Segoe UI" charset="0"/>
-            </a:endParaRPr>
-          </a:p>
-        </p:txBody>
-      </p:sp>
-      <p:pic>
-        <p:nvPicPr>
-          <p:cNvPr id="16" name="Picture 15" descr="Microsoft Power BI"/>
-          <p:cNvPicPr>
-            <a:picLocks noChangeAspect="1"/>
-          </p:cNvPicPr>
-          <p:nvPr/>
-        </p:nvPicPr>
-        <p:blipFill>
-          <a:blip r:embed="rId4">
-            <a:extLst>
-              <a:ext uri="{28A0092B-C50C-407E-A947-70E740481C1C}">
-                <a14:useLocalDpi xmlns:a14="http://schemas.microsoft.com/office/drawing/2010/main" val="0"/>
-              </a:ext>
-            </a:extLst>
-          </a:blip>
-          <a:stretch>
-            <a:fillRect/>
-          </a:stretch>
-        </p:blipFill>
-        <p:spPr>
-          <a:xfrm>
-            <a:off x="923544" y="722376"/>
-            <a:ext cx="1490690" cy="245805"/>
-          </a:xfrm>
-          <a:prstGeom prst="rect">
-            <a:avLst/>
-          </a:prstGeom>
-        </p:spPr>
       </p:pic>
-      <p:pic>
-        <p:nvPicPr>
-          <p:cNvPr id="18" name="Picture 17">
-            <a:extLst>
-              <a:ext uri="{C183D7F6-B498-43B3-948B-1728B52AA6E4}">
-                <adec:decorative xmlns:adec="http://schemas.microsoft.com/office/drawing/2017/decorative" val="1"/>
-              </a:ext>
-            </a:extLst>
-          </p:cNvPr>
-          <p:cNvPicPr>
-            <a:picLocks noChangeAspect="1"/>
-          </p:cNvPicPr>
-          <p:nvPr/>
-        </p:nvPicPr>
-        <p:blipFill>
-          <a:blip r:embed="rId5">
-            <a:extLst>
-              <a:ext uri="{28A0092B-C50C-407E-A947-70E740481C1C}">
-                <a14:useLocalDpi xmlns:a14="http://schemas.microsoft.com/office/drawing/2010/main" val="0"/>
-              </a:ext>
-            </a:extLst>
-          </a:blip>
-          <a:stretch>
-            <a:fillRect/>
-          </a:stretch>
-        </p:blipFill>
-        <p:spPr>
-          <a:xfrm>
-            <a:off x="2139696" y="3694176"/>
-            <a:ext cx="162027" cy="153025"/>
-          </a:xfrm>
-          <a:prstGeom prst="rect">
-            <a:avLst/>
-          </a:prstGeom>
-        </p:spPr>
-      </p:pic>
+      <mc:AlternateContent xmlns:mc="http://schemas.openxmlformats.org/markup-compatibility/2006">
+        <mc:Choice xmlns:we="http://schemas.microsoft.com/office/webextensions/webextension/2010/11" xmlns:pca="http://schemas.microsoft.com/office/powerpoint/2013/contentapp" Requires="we pca">
+          <p:graphicFrame>
+            <p:nvGraphicFramePr>
+              <p:cNvPr id="2" name="Add-in" descr="Add-in content for Microsoft Power BI."/>
+              <p:cNvGraphicFramePr>
+                <a:graphicFrameLocks noGrp="1"/>
+              </p:cNvGraphicFramePr>
+              <p:nvPr>
+                <p:extLst>
+                  <p:ext uri="{D42A27DB-BD31-4B8C-83A1-F6EECF244321}">
+                    <p14:modId xmlns:p14="http://schemas.microsoft.com/office/powerpoint/2010/main" val="136256970"/>
+                  </p:ext>
+                </p:extLst>
+              </p:nvPr>
+            </p:nvGraphicFramePr>
+            <p:xfrm>
+              <a:off x="-536895" y="-83890"/>
+              <a:ext cx="12877101" cy="6941889"/>
+            </p:xfrm>
+            <a:graphic>
+              <a:graphicData uri="http://schemas.microsoft.com/office/webextensions/webextension/2010/11">
+                <we:webextensionref xmlns:we="http://schemas.microsoft.com/office/webextensions/webextension/2010/11" xmlns:r="http://schemas.openxmlformats.org/officeDocument/2006/relationships" r:id="rId3"/>
+              </a:graphicData>
+            </a:graphic>
+          </p:graphicFrame>
+        </mc:Choice>
+        <mc:Fallback>
+          <p:pic>
+            <p:nvPicPr>
+              <p:cNvPr id="2" name="Add-in" descr="Add-in content for Microsoft Power BI."/>
+              <p:cNvPicPr>
+                <a:picLocks noGrp="1" noRot="1" noChangeAspect="1" noMove="1" noResize="1" noEditPoints="1" noAdjustHandles="1" noChangeArrowheads="1" noChangeShapeType="1"/>
+              </p:cNvPicPr>
+              <p:nvPr/>
+            </p:nvPicPr>
+            <p:blipFill>
+              <a:blip r:embed="rId4"/>
+              <a:stretch>
+                <a:fillRect/>
+              </a:stretch>
+            </p:blipFill>
+            <p:spPr>
+              <a:xfrm>
+                <a:off x="-536895" y="-83890"/>
+                <a:ext cx="12877101" cy="6941889"/>
+              </a:xfrm>
+              <a:prstGeom prst="rect">
+                <a:avLst/>
+              </a:prstGeom>
+            </p:spPr>
+          </p:pic>
+        </mc:Fallback>
+      </mc:AlternateContent>
     </p:spTree>
     <p:extLst>
       <p:ext uri="{BB962C8B-B14F-4D97-AF65-F5344CB8AC3E}">
-        <p14:creationId xmlns:p14="http://schemas.microsoft.com/office/powerpoint/2010/main" val="7630729"/>
+        <p14:creationId xmlns:p14="http://schemas.microsoft.com/office/powerpoint/2010/main" val="3211859542"/>
       </p:ext>
     </p:extLst>
   </p:cSld>
@@ -4055,341 +3517,13 @@
 </p:sld>
 </file>
 
-<file path=ppt/slides/slide2.xml><?xml version="1.0" encoding="utf-8"?>
-<p:sld xmlns:a="http://schemas.openxmlformats.org/drawingml/2006/main" xmlns:r="http://schemas.openxmlformats.org/officeDocument/2006/relationships" xmlns:p="http://schemas.openxmlformats.org/presentationml/2006/main">
-  <p:cSld>
-    <p:spTree>
-      <p:nvGrpSpPr>
-        <p:cNvPr id="1" name=""/>
-        <p:cNvGrpSpPr/>
-        <p:nvPr/>
-      </p:nvGrpSpPr>
-      <p:grpSpPr>
-        <a:xfrm>
-          <a:off x="0" y="0"/>
-          <a:ext cx="0" cy="0"/>
-          <a:chOff x="0" y="0"/>
-          <a:chExt cx="0" cy="0"/>
-        </a:xfrm>
-      </p:grpSpPr>
-      <p:pic>
-        <p:nvPicPr>
-          <p:cNvPr id="3" name="Picture" title="This slide contains the following visuals: card ,card ,Churned Customers by Region ,Reason of Churn ,lineStackedColumnComboChart ,gauge ,Churn rate by Demography ,Churned Customers by Contract Type ,card. Please refer to the notes on this slide for details">
-            <a:hlinkClick r:id="rId3"/>
-          </p:cNvPr>
-          <p:cNvPicPr>
-            <a:picLocks noChangeAspect="1"/>
-          </p:cNvPicPr>
-          <p:nvPr/>
-        </p:nvPicPr>
-        <p:blipFill>
-          <a:blip r:embed="rId4"/>
-          <a:stretch>
-            <a:fillRect/>
-          </a:stretch>
-        </p:blipFill>
-        <p:spPr>
-          <a:xfrm>
-            <a:off x="3362325" y="0"/>
-            <a:ext cx="5448300" cy="6848475"/>
-          </a:xfrm>
-          <a:prstGeom prst="rect">
-            <a:avLst/>
-          </a:prstGeom>
-          <a:noFill/>
-        </p:spPr>
-      </p:pic>
-      <p:sp>
-        <p:nvSpPr>
-          <p:cNvPr id="4" name="Title" hidden="1"/>
-          <p:cNvSpPr>
-            <a:spLocks noGrp="1"/>
-          </p:cNvSpPr>
-          <p:nvPr>
-            <p:ph type="title"/>
-          </p:nvPr>
-        </p:nvSpPr>
-        <p:spPr/>
-        <p:txBody>
-          <a:bodyPr/>
-          <a:lstStyle/>
-          <a:p>
-            <a:r>
-              <a:t>Dashboard</a:t>
-            </a:r>
-          </a:p>
-        </p:txBody>
-      </p:sp>
-    </p:spTree>
-  </p:cSld>
-  <p:clrMapOvr>
-    <a:masterClrMapping/>
-  </p:clrMapOvr>
-</p:sld>
+<file path=ppt/tags/tag1.xml><?xml version="1.0" encoding="utf-8"?>
+<p:tagLst xmlns:a="http://schemas.openxmlformats.org/drawingml/2006/main" xmlns:r="http://schemas.openxmlformats.org/officeDocument/2006/relationships" xmlns:p="http://schemas.openxmlformats.org/presentationml/2006/main">
+  <p:tag name="FILE_NAME_PARSED_KEY" val="TRUE"/>
+</p:tagLst>
 </file>
 
 <file path=ppt/theme/theme1.xml><?xml version="1.0" encoding="utf-8"?>
-<a:theme xmlns:a="http://schemas.openxmlformats.org/drawingml/2006/main" name="Custom Design">
-  <a:themeElements>
-    <a:clrScheme name="Office">
-      <a:dk1>
-        <a:sysClr val="windowText" lastClr="000000"/>
-      </a:dk1>
-      <a:lt1>
-        <a:sysClr val="window" lastClr="FFFFFF"/>
-      </a:lt1>
-      <a:dk2>
-        <a:srgbClr val="44546A"/>
-      </a:dk2>
-      <a:lt2>
-        <a:srgbClr val="E7E6E6"/>
-      </a:lt2>
-      <a:accent1>
-        <a:srgbClr val="5B9BD5"/>
-      </a:accent1>
-      <a:accent2>
-        <a:srgbClr val="ED7D31"/>
-      </a:accent2>
-      <a:accent3>
-        <a:srgbClr val="A5A5A5"/>
-      </a:accent3>
-      <a:accent4>
-        <a:srgbClr val="FFC000"/>
-      </a:accent4>
-      <a:accent5>
-        <a:srgbClr val="4472C4"/>
-      </a:accent5>
-      <a:accent6>
-        <a:srgbClr val="70AD47"/>
-      </a:accent6>
-      <a:hlink>
-        <a:srgbClr val="0563C1"/>
-      </a:hlink>
-      <a:folHlink>
-        <a:srgbClr val="954F72"/>
-      </a:folHlink>
-    </a:clrScheme>
-    <a:fontScheme name="Office">
-      <a:majorFont>
-        <a:latin typeface="Calibri Light" panose="020F0302020204030204"/>
-        <a:ea typeface=""/>
-        <a:cs typeface=""/>
-        <a:font script="Jpan" typeface="游ゴシック Light"/>
-        <a:font script="Hang" typeface="맑은 고딕"/>
-        <a:font script="Hans" typeface="等线 Light"/>
-        <a:font script="Hant" typeface="新細明體"/>
-        <a:font script="Arab" typeface="Times New Roman"/>
-        <a:font script="Hebr" typeface="Times New Roman"/>
-        <a:font script="Thai" typeface="Angsana New"/>
-        <a:font script="Ethi" typeface="Nyala"/>
-        <a:font script="Beng" typeface="Vrinda"/>
-        <a:font script="Gujr" typeface="Shruti"/>
-        <a:font script="Khmr" typeface="MoolBoran"/>
-        <a:font script="Knda" typeface="Tunga"/>
-        <a:font script="Guru" typeface="Raavi"/>
-        <a:font script="Cans" typeface="Euphemia"/>
-        <a:font script="Cher" typeface="Plantagenet Cherokee"/>
-        <a:font script="Yiii" typeface="Microsoft Yi Baiti"/>
-        <a:font script="Tibt" typeface="Microsoft Himalaya"/>
-        <a:font script="Thaa" typeface="MV Boli"/>
-        <a:font script="Deva" typeface="Mangal"/>
-        <a:font script="Telu" typeface="Gautami"/>
-        <a:font script="Taml" typeface="Latha"/>
-        <a:font script="Syrc" typeface="Estrangelo Edessa"/>
-        <a:font script="Orya" typeface="Kalinga"/>
-        <a:font script="Mlym" typeface="Kartika"/>
-        <a:font script="Laoo" typeface="DokChampa"/>
-        <a:font script="Sinh" typeface="Iskoola Pota"/>
-        <a:font script="Mong" typeface="Mongolian Baiti"/>
-        <a:font script="Viet" typeface="Times New Roman"/>
-        <a:font script="Uigh" typeface="Microsoft Uighur"/>
-        <a:font script="Geor" typeface="Sylfaen"/>
-      </a:majorFont>
-      <a:minorFont>
-        <a:latin typeface="Calibri" panose="020F0502020204030204"/>
-        <a:ea typeface=""/>
-        <a:cs typeface=""/>
-        <a:font script="Jpan" typeface="游ゴシック"/>
-        <a:font script="Hang" typeface="맑은 고딕"/>
-        <a:font script="Hans" typeface="等线"/>
-        <a:font script="Hant" typeface="新細明體"/>
-        <a:font script="Arab" typeface="Arial"/>
-        <a:font script="Hebr" typeface="Arial"/>
-        <a:font script="Thai" typeface="Cordia New"/>
-        <a:font script="Ethi" typeface="Nyala"/>
-        <a:font script="Beng" typeface="Vrinda"/>
-        <a:font script="Gujr" typeface="Shruti"/>
-        <a:font script="Khmr" typeface="DaunPenh"/>
-        <a:font script="Knda" typeface="Tunga"/>
-        <a:font script="Guru" typeface="Raavi"/>
-        <a:font script="Cans" typeface="Euphemia"/>
-        <a:font script="Cher" typeface="Plantagenet Cherokee"/>
-        <a:font script="Yiii" typeface="Microsoft Yi Baiti"/>
-        <a:font script="Tibt" typeface="Microsoft Himalaya"/>
-        <a:font script="Thaa" typeface="MV Boli"/>
-        <a:font script="Deva" typeface="Mangal"/>
-        <a:font script="Telu" typeface="Gautami"/>
-        <a:font script="Taml" typeface="Latha"/>
-        <a:font script="Syrc" typeface="Estrangelo Edessa"/>
-        <a:font script="Orya" typeface="Kalinga"/>
-        <a:font script="Mlym" typeface="Kartika"/>
-        <a:font script="Laoo" typeface="DokChampa"/>
-        <a:font script="Sinh" typeface="Iskoola Pota"/>
-        <a:font script="Mong" typeface="Mongolian Baiti"/>
-        <a:font script="Viet" typeface="Arial"/>
-        <a:font script="Uigh" typeface="Microsoft Uighur"/>
-        <a:font script="Geor" typeface="Sylfaen"/>
-      </a:minorFont>
-    </a:fontScheme>
-    <a:fmtScheme name="Office">
-      <a:fillStyleLst>
-        <a:solidFill>
-          <a:schemeClr val="phClr"/>
-        </a:solidFill>
-        <a:gradFill rotWithShape="1">
-          <a:gsLst>
-            <a:gs pos="0">
-              <a:schemeClr val="phClr">
-                <a:lumMod val="110000"/>
-                <a:satMod val="105000"/>
-                <a:tint val="67000"/>
-              </a:schemeClr>
-            </a:gs>
-            <a:gs pos="50000">
-              <a:schemeClr val="phClr">
-                <a:lumMod val="105000"/>
-                <a:satMod val="103000"/>
-                <a:tint val="73000"/>
-              </a:schemeClr>
-            </a:gs>
-            <a:gs pos="100000">
-              <a:schemeClr val="phClr">
-                <a:lumMod val="105000"/>
-                <a:satMod val="109000"/>
-                <a:tint val="81000"/>
-              </a:schemeClr>
-            </a:gs>
-          </a:gsLst>
-          <a:lin ang="5400000" scaled="0"/>
-        </a:gradFill>
-        <a:gradFill rotWithShape="1">
-          <a:gsLst>
-            <a:gs pos="0">
-              <a:schemeClr val="phClr">
-                <a:satMod val="103000"/>
-                <a:lumMod val="102000"/>
-                <a:tint val="94000"/>
-              </a:schemeClr>
-            </a:gs>
-            <a:gs pos="50000">
-              <a:schemeClr val="phClr">
-                <a:satMod val="110000"/>
-                <a:lumMod val="100000"/>
-                <a:shade val="100000"/>
-              </a:schemeClr>
-            </a:gs>
-            <a:gs pos="100000">
-              <a:schemeClr val="phClr">
-                <a:lumMod val="99000"/>
-                <a:satMod val="120000"/>
-                <a:shade val="78000"/>
-              </a:schemeClr>
-            </a:gs>
-          </a:gsLst>
-          <a:lin ang="5400000" scaled="0"/>
-        </a:gradFill>
-      </a:fillStyleLst>
-      <a:lnStyleLst>
-        <a:ln w="6350" cap="flat" cmpd="sng" algn="ctr">
-          <a:solidFill>
-            <a:schemeClr val="phClr"/>
-          </a:solidFill>
-          <a:prstDash val="solid"/>
-          <a:miter lim="800000"/>
-        </a:ln>
-        <a:ln w="12700" cap="flat" cmpd="sng" algn="ctr">
-          <a:solidFill>
-            <a:schemeClr val="phClr"/>
-          </a:solidFill>
-          <a:prstDash val="solid"/>
-          <a:miter lim="800000"/>
-        </a:ln>
-        <a:ln w="19050" cap="flat" cmpd="sng" algn="ctr">
-          <a:solidFill>
-            <a:schemeClr val="phClr"/>
-          </a:solidFill>
-          <a:prstDash val="solid"/>
-          <a:miter lim="800000"/>
-        </a:ln>
-      </a:lnStyleLst>
-      <a:effectStyleLst>
-        <a:effectStyle>
-          <a:effectLst/>
-        </a:effectStyle>
-        <a:effectStyle>
-          <a:effectLst/>
-        </a:effectStyle>
-        <a:effectStyle>
-          <a:effectLst>
-            <a:outerShdw blurRad="57150" dist="19050" dir="5400000" algn="ctr" rotWithShape="0">
-              <a:srgbClr val="000000">
-                <a:alpha val="63000"/>
-              </a:srgbClr>
-            </a:outerShdw>
-          </a:effectLst>
-        </a:effectStyle>
-      </a:effectStyleLst>
-      <a:bgFillStyleLst>
-        <a:solidFill>
-          <a:schemeClr val="phClr"/>
-        </a:solidFill>
-        <a:solidFill>
-          <a:schemeClr val="phClr">
-            <a:tint val="95000"/>
-            <a:satMod val="170000"/>
-          </a:schemeClr>
-        </a:solidFill>
-        <a:gradFill rotWithShape="1">
-          <a:gsLst>
-            <a:gs pos="0">
-              <a:schemeClr val="phClr">
-                <a:tint val="93000"/>
-                <a:satMod val="150000"/>
-                <a:shade val="98000"/>
-                <a:lumMod val="102000"/>
-              </a:schemeClr>
-            </a:gs>
-            <a:gs pos="50000">
-              <a:schemeClr val="phClr">
-                <a:tint val="98000"/>
-                <a:satMod val="130000"/>
-                <a:shade val="90000"/>
-                <a:lumMod val="103000"/>
-              </a:schemeClr>
-            </a:gs>
-            <a:gs pos="100000">
-              <a:schemeClr val="phClr">
-                <a:shade val="63000"/>
-                <a:satMod val="120000"/>
-              </a:schemeClr>
-            </a:gs>
-          </a:gsLst>
-          <a:lin ang="5400000" scaled="0"/>
-        </a:gradFill>
-      </a:bgFillStyleLst>
-    </a:fmtScheme>
-  </a:themeElements>
-  <a:objectDefaults/>
-  <a:extraClrSchemeLst/>
-  <a:extLst>
-    <a:ext uri="{05A4C25C-085E-4340-85A3-A5531E510DB2}">
-      <thm15:themeFamily xmlns:thm15="http://schemas.microsoft.com/office/thememl/2012/main" name="Office Theme" id="{62F939B6-93AF-4DB8-9C6B-D6C7DFDC589F}" vid="{4A3C46E8-61CC-4603-A589-7422A47A8E4A}"/>
-    </a:ext>
-  </a:extLst>
-</a:theme>
-</file>
-
-<file path=ppt/theme/theme2.xml><?xml version="1.0" encoding="utf-8"?>
 <a:theme xmlns:a="http://schemas.openxmlformats.org/drawingml/2006/main" name="Office Theme">
   <a:themeElements>
     <a:clrScheme name="Office">
@@ -4682,4 +3816,349 @@
     </a:ext>
   </a:extLst>
 </a:theme>
+</file>
+
+<file path=ppt/webextensions/webextension1.xml><?xml version="1.0" encoding="utf-8"?>
+<we:webextension xmlns:we="http://schemas.microsoft.com/office/webextensions/webextension/2010/11" id="{e9000406-7023-416a-93a9-cc7bf7c797a7}">
+  <we:reference id="WA200003233" version="2.0.0.3" store="en-GB" storeType="OMEX"/>
+  <we:alternateReferences/>
+  <we:properties>
+    <we:property name="Microsoft.Office.CampaignId" value="&quot;none&quot;"/>
+    <we:property name="backgroundColor" value="&quot;rgb(20,33,61)&quot;"/>
+    <we:property name="bookmark" value="&quot;H4sIAAAAAAAAA91YS2/bOBD+K4JOLeAt9LSk3BInPe0WQdLtZZHDkBwpbGRSoKhs3cD/vUPRi23cog7cRBXqi8XhiPxmvnmQegiF7LsWNu9gjeFJeKb13RrMXRCHi1A9liW8LpM8ylgWJYWIYwEZJy3dWalVH548hBZMg/aD7Ado3YIk/OdmEULbXkLjRjW0PS7CDk2vFbTyM3plmrJmwO0ixE9dqw24Ja8tWHTL3pM6jQlK/CalHYFbeY/XyK2XXmGnjd2NU7GsswhLzvkyWkaijmtG7/R+doR5WN9tOgJbaWVBKgLgZDkDnpfAUlGKSvC6Fmnu5LVs7U6FbS4+dYbsJm9sOue+U3EPiqMIR+MM9t6Wh/AvhH4wo4UXjyau9WA4XmE9Tikr7YbWOQcLDNvgj8A9hVty1qXR5Mpx9t2wZmgCXQerobd67eA4lVv978ogOVKEJ9H2hiS9VE278/v/hr73YDkYB1Szj+QdZxC9oI1Ac7YZbTqX5j+3J4s92BPYQwaQGgAIATmLI2QRZwVwyGZHA78djEIR8OG3YuM7ZnlSeMxYlIpUFEuWJ1FSYV0dJGVFrmi0kZyM3+dlpdthrZ4Hvy8l3zKwmGWW/jpUTwjaqcGtHKTAfJ+/gxm0hm4/gXz3oB0+ftUSdoHo0+olIo9yhCYirOKCKhcWPAWeUT9l80kS7+krIo/WOIr406Yx2IDdDS9eFirFqTbB34rfghuMOm8HtSuI+TH1tqWsRIPiDMyKVrXHFt+ZOWJ7M3XY78WSj/6kriCOGMaARZIgy+ukmF3fnlNh/mHtewKY52T0tMHgFZOqf31MHW7pDE2lkN+h8KBWes30T+XYJMfNqfPmkZd91ixrxpKoipdlxHieVWWOc7l0/FxvbmBocBbsP7LDH2fLKsWE5TxNBYtQxMDYXGrVE6vCVMeGc1zrxkB3K/lxl5znarovGRJT14E9p/pKwKqCQRbzfMkYq/Os5ALnc3rUyhpyUjDS+ut75/PexIVWg51PdB64j09+2tvj3odrVfGCOhZDiNKSJzln6eFwnSY43kvbHtWzvv0iM/6+loREQzPi1IPtO+B4CQpHGzuPQOKoR/aBEm7j8dm4/z8lucbv+wHawW05fjMNx00IimQtPvUFT8T2C75yztPkFQAA&quot;"/>
+    <we:property name="creatorSessionId" value="&quot;137c4857-79fd-483b-95af-707ea195dac1&quot;"/>
+    <we:property name="creatorTenantId" value="&quot;b41ad745-d21e-496d-b5c1-3c84079708cc&quot;"/>
+    <we:property name="creatorUserId" value="&quot;100320021188D41F&quot;"/>
+    <we:property name="datasetId" value="&quot;31cd368d-0cc1-4ec5-a499-89baeefb40e4&quot;"/>
+    <we:property name="embedUrl" value="&quot;/reportEmbed?reportId=9c1002fa-1635-4835-be32-6880cabd8fec&amp;config=eyJjbHVzdGVyVXJsIjoiaHR0cHM6Ly9XQUJJLUVVUk9QRS1OT1JUSC1CLXJlZGlyZWN0LmFuYWx5c2lzLndpbmRvd3MubmV0IiwiZW1iZWRGZWF0dXJlcyI6eyJtb2Rlcm5FbWJlZCI6dHJ1ZSwidXNhZ2VNZXRyaWNzVk5leHQiOnRydWV9fQ%3D%3D&amp;disableSensitivityBanner=true&quot;"/>
+    <we:property name="initialStateBookmark" value="&quot;H4sIAAAAAAAAA91Y32/bOAz+Vww/7YBs8I84sfuWpr2XrV3RdnsZioGSaFerIxmy3FuuyP8+ysrh1my4FFnrGZeXWBQtfuRHUpIfQiHbpob1OawwPAqPtb5bgbkL4nASqq3s/fu3Z4vLt5/PF2enJNaNlVq14dFDaMFUaD/KtoParUDCTzeTEOr6Aio3KqFucRI2aFqtoJZ/o1emKWs63ExC/NrU2oBb8sqCRbfsPanTmGzHb1KyCNzKe7xCbr30Ehtt7Hacilk5jTDnnM+iWSTKuGT0Tutne5j79Z3RHthSKwtSEQAnyxjwLAeWilwUgpelSDMnL2Vttypsffq1MeQ3RWPduHgtxD0ojiLsnTPYel8ewjOEtjO9h6ePJq50ZzheYtlPKSvtmtY5AQsM6+B14J7CDQXrwmgKZT973q0YmkCXwbJrrV45OE7lVv+1NEiBFOFRtLkhSStVVW/j/q+j1x4sB+OAavaFouMcohe0EWiO171PJ9L8E/ZksgN7AH/IAVIDACEgY3GELOJsDhymo6OB33ZGoQh4979i4ydueVJ4zFiUilTMZyxLoqTAsthLypJCUWkjOTm/y8tS191KPQ9+30p+ZGAyyir9faiekLRDg1s6SIH5OX97K2gFzW4B+d2DLHz5bkvYJqIvq5fIPKoRmoiwiOfUuXDOU+DTMk/YeIrER/qSyKM1DiJ+UVUGK7Db4enLQqU81Sb4oPgtuEGv82entg0xO6Tf1lSVaFAcg1nSqvbQ5juyQGxuhk77nVzy2Z+UBcQRwxhwniTIsjKZj27fHlNj/s/e9wQwz8noosLgFZOq/eOQPlzTGZpaIb9D4UEt9YrpX6qxQY6bQ9fNoyj7qpmVjCVREc/yiPFsWuQZjuXS8Wt7cwVdhaNg/5Ef/jibFykmLONpKliEIgbGxtKrntgVhjo2nOBKVwaaW8kPu+Q816b7kikxdB/YCarvBKyYM5jGPJsxxspsmnOB4zk9amUNBSnoaf39e+fz3sSFVp0dT3buuY8Pftrb4d6na1HwOe1YDCFKc55knKX703WY5LiWtj5oz/rxi0z/+14SEg1Vj1N3tm2A4wUo7H1sPAKJvR75B0o4w/2zcf/vJIXG2/0IdedMug+jYW+DkEhW4xP1PQ2bb1l8cXbTFQAA&quot;"/>
+    <we:property name="isFiltersActionButtonVisible" value="true"/>
+    <we:property name="pageDisplayName" value="&quot;Dashboard&quot;"/>
+    <we:property name="pageName" value="&quot;ReportSection3d6f40e8ccc6060df1fb&quot;"/>
+    <we:property name="reportEmbeddedTime" value="&quot;2023-01-12T12:07:08.308Z&quot;"/>
+    <we:property name="reportName" value="&quot;Customer Churn&quot;"/>
+    <we:property name="reportState" value="&quot;CONNECTED&quot;"/>
+    <we:property name="reportUrl" value="&quot;/groups/me/reports/9c1002fa-1635-4835-be32-6880cabd8fec/ReportSection3d6f40e8ccc6060df1fb?bookmarkGuid=d33a8fc4-20cb-48ad-90ee-ca5d81686d3e&amp;bookmarkUsage=1&amp;ctid=b41ad745-d21e-496d-b5c1-3c84079708cc&amp;fromEntryPoint=export&quot;"/>
+  </we:properties>
+  <we:bindings/>
+  <we:snapshot xmlns:r="http://schemas.openxmlformats.org/officeDocument/2006/relationships" r:embed="rId1"/>
+</we:webextension>
+</file>
+
+<file path=customXml/item1.xml><?xml version="1.0" encoding="utf-8"?>
+<p:properties xmlns:p="http://schemas.microsoft.com/office/2006/metadata/properties" xmlns:xsi="http://www.w3.org/2001/XMLSchema-instance" xmlns:pc="http://schemas.microsoft.com/office/infopath/2007/PartnerControls">
+  <documentManagement>
+    <Document_x0020_Purpose xmlns="f577acbf-5b0b-4b4f-9948-268e97f8d3a4">Informational</Document_x0020_Purpose>
+    <Initiatives xmlns="f577acbf-5b0b-4b4f-9948-268e97f8d3a4"/>
+  </documentManagement>
+</p:properties>
+</file>
+
+<file path=customXml/item2.xml><?xml version="1.0" encoding="utf-8"?>
+<?mso-contentType ?>
+<FormTemplates xmlns="http://schemas.microsoft.com/sharepoint/v3/contenttype/forms">
+  <Display>DocumentLibraryForm</Display>
+  <Edit>DocumentLibraryForm</Edit>
+  <New>DocumentLibraryForm</New>
+</FormTemplates>
+</file>
+
+<file path=customXml/item3.xml><?xml version="1.0" encoding="utf-8"?>
+<ct:contentTypeSchema xmlns:ct="http://schemas.microsoft.com/office/2006/metadata/contentType" xmlns:ma="http://schemas.microsoft.com/office/2006/metadata/properties/metaAttributes" ct:_="" ma:_="" ma:contentTypeName="Document" ma:contentTypeID="0x010100CD401524DC532D42A0E0ED886331A72B" ma:contentTypeVersion="15" ma:contentTypeDescription="Create a new document." ma:contentTypeScope="" ma:versionID="aba17d7263e5a17e1efe42a3571abb41">
+  <xsd:schema xmlns:xsd="http://www.w3.org/2001/XMLSchema" xmlns:xs="http://www.w3.org/2001/XMLSchema" xmlns:p="http://schemas.microsoft.com/office/2006/metadata/properties" xmlns:ns2="f577acbf-5b0b-4b4f-9948-268e97f8d3a4" xmlns:ns3="b1e4d6ee-9f6f-43f8-a618-24f3d84da28f" targetNamespace="http://schemas.microsoft.com/office/2006/metadata/properties" ma:root="true" ma:fieldsID="e4e3c9c8ed1c3d723d02c9f1cb24d19a" ns2:_="" ns3:_="">
+    <xsd:import namespace="f577acbf-5b0b-4b4f-9948-268e97f8d3a4"/>
+    <xsd:import namespace="b1e4d6ee-9f6f-43f8-a618-24f3d84da28f"/>
+    <xsd:element name="properties">
+      <xsd:complexType>
+        <xsd:sequence>
+          <xsd:element name="documentManagement">
+            <xsd:complexType>
+              <xsd:all>
+                <xsd:element ref="ns2:MediaServiceMetadata" minOccurs="0"/>
+                <xsd:element ref="ns2:MediaServiceFastMetadata" minOccurs="0"/>
+                <xsd:element ref="ns3:SharedWithUsers" minOccurs="0"/>
+                <xsd:element ref="ns3:SharedWithDetails" minOccurs="0"/>
+                <xsd:element ref="ns3:LastSharedByUser" minOccurs="0"/>
+                <xsd:element ref="ns3:LastSharedByTime" minOccurs="0"/>
+                <xsd:element ref="ns2:Document_x0020_Purpose" minOccurs="0"/>
+                <xsd:element ref="ns2:Initiatives" minOccurs="0"/>
+                <xsd:element ref="ns2:MediaServiceDateTaken" minOccurs="0"/>
+                <xsd:element ref="ns2:MediaServiceAutoTags" minOccurs="0"/>
+                <xsd:element ref="ns2:MediaServiceOCR" minOccurs="0"/>
+                <xsd:element ref="ns2:MediaServiceLocation" minOccurs="0"/>
+                <xsd:element ref="ns2:MediaServiceEventHashCode" minOccurs="0"/>
+                <xsd:element ref="ns2:MediaServiceGenerationTime" minOccurs="0"/>
+              </xsd:all>
+            </xsd:complexType>
+          </xsd:element>
+        </xsd:sequence>
+      </xsd:complexType>
+    </xsd:element>
+  </xsd:schema>
+  <xsd:schema xmlns:xsd="http://www.w3.org/2001/XMLSchema" xmlns:xs="http://www.w3.org/2001/XMLSchema" xmlns:dms="http://schemas.microsoft.com/office/2006/documentManagement/types" xmlns:pc="http://schemas.microsoft.com/office/infopath/2007/PartnerControls" targetNamespace="f577acbf-5b0b-4b4f-9948-268e97f8d3a4" elementFormDefault="qualified">
+    <xsd:import namespace="http://schemas.microsoft.com/office/2006/documentManagement/types"/>
+    <xsd:import namespace="http://schemas.microsoft.com/office/infopath/2007/PartnerControls"/>
+    <xsd:element name="MediaServiceMetadata" ma:index="8" nillable="true" ma:displayName="MediaServiceMetadata" ma:hidden="true" ma:internalName="MediaServiceMetadata" ma:readOnly="true">
+      <xsd:simpleType>
+        <xsd:restriction base="dms:Note"/>
+      </xsd:simpleType>
+    </xsd:element>
+    <xsd:element name="MediaServiceFastMetadata" ma:index="9" nillable="true" ma:displayName="MediaServiceFastMetadata" ma:hidden="true" ma:internalName="MediaServiceFastMetadata" ma:readOnly="true">
+      <xsd:simpleType>
+        <xsd:restriction base="dms:Note"/>
+      </xsd:simpleType>
+    </xsd:element>
+    <xsd:element name="Document_x0020_Purpose" ma:index="14" nillable="true" ma:displayName="Document Purpose" ma:default="Informational" ma:format="Dropdown" ma:internalName="Document_x0020_Purpose">
+      <xsd:simpleType>
+        <xsd:restriction base="dms:Choice">
+          <xsd:enumeration value="Informational"/>
+          <xsd:enumeration value="Feature Spec"/>
+          <xsd:enumeration value="Engineering Design"/>
+          <xsd:enumeration value="Planning"/>
+        </xsd:restriction>
+      </xsd:simpleType>
+    </xsd:element>
+    <xsd:element name="Initiatives" ma:index="15" nillable="true" ma:displayName="Initiatives" ma:description="List of initiatives related to this document" ma:internalName="Initiatives">
+      <xsd:complexType>
+        <xsd:complexContent>
+          <xsd:extension base="dms:MultiChoice">
+            <xsd:sequence>
+              <xsd:element name="Value" maxOccurs="unbounded" minOccurs="0" nillable="true">
+                <xsd:simpleType>
+                  <xsd:restriction base="dms:Choice">
+                    <xsd:enumeration value="Add-in MAU"/>
+                    <xsd:enumeration value="Custom Functions"/>
+                    <xsd:enumeration value="Data &amp; Analytics"/>
+                    <xsd:enumeration value="DevEx: Portals &amp; Programs"/>
+                    <xsd:enumeration value="DevEx: Tools &amp; Libraries"/>
+                    <xsd:enumeration value="Engineering"/>
+                    <xsd:enumeration value="Excel API"/>
+                    <xsd:enumeration value="In-Market Support"/>
+                    <xsd:enumeration value="Maker Access"/>
+                    <xsd:enumeration value="SDX Runtime &amp; Partners"/>
+                    <xsd:enumeration value="SDX Service Delivery"/>
+                    <xsd:enumeration value="SDX API &amp; Pipeline"/>
+                    <xsd:enumeration value="Shield &amp; OCE"/>
+                  </xsd:restriction>
+                </xsd:simpleType>
+              </xsd:element>
+            </xsd:sequence>
+          </xsd:extension>
+        </xsd:complexContent>
+      </xsd:complexType>
+    </xsd:element>
+    <xsd:element name="MediaServiceDateTaken" ma:index="16" nillable="true" ma:displayName="MediaServiceDateTaken" ma:hidden="true" ma:internalName="MediaServiceDateTaken" ma:readOnly="true">
+      <xsd:simpleType>
+        <xsd:restriction base="dms:Text"/>
+      </xsd:simpleType>
+    </xsd:element>
+    <xsd:element name="MediaServiceAutoTags" ma:index="17" nillable="true" ma:displayName="MediaServiceAutoTags" ma:internalName="MediaServiceAutoTags" ma:readOnly="true">
+      <xsd:simpleType>
+        <xsd:restriction base="dms:Text"/>
+      </xsd:simpleType>
+    </xsd:element>
+    <xsd:element name="MediaServiceOCR" ma:index="18" nillable="true" ma:displayName="MediaServiceOCR" ma:internalName="MediaServiceOCR" ma:readOnly="true">
+      <xsd:simpleType>
+        <xsd:restriction base="dms:Note">
+          <xsd:maxLength value="255"/>
+        </xsd:restriction>
+      </xsd:simpleType>
+    </xsd:element>
+    <xsd:element name="MediaServiceLocation" ma:index="19" nillable="true" ma:displayName="MediaServiceLocation" ma:internalName="MediaServiceLocation" ma:readOnly="true">
+      <xsd:simpleType>
+        <xsd:restriction base="dms:Text"/>
+      </xsd:simpleType>
+    </xsd:element>
+    <xsd:element name="MediaServiceEventHashCode" ma:index="20" nillable="true" ma:displayName="MediaServiceEventHashCode" ma:hidden="true" ma:internalName="MediaServiceEventHashCode" ma:readOnly="true">
+      <xsd:simpleType>
+        <xsd:restriction base="dms:Text"/>
+      </xsd:simpleType>
+    </xsd:element>
+    <xsd:element name="MediaServiceGenerationTime" ma:index="21" nillable="true" ma:displayName="MediaServiceGenerationTime" ma:hidden="true" ma:internalName="MediaServiceGenerationTime" ma:readOnly="true">
+      <xsd:simpleType>
+        <xsd:restriction base="dms:Text"/>
+      </xsd:simpleType>
+    </xsd:element>
+  </xsd:schema>
+  <xsd:schema xmlns:xsd="http://www.w3.org/2001/XMLSchema" xmlns:xs="http://www.w3.org/2001/XMLSchema" xmlns:dms="http://schemas.microsoft.com/office/2006/documentManagement/types" xmlns:pc="http://schemas.microsoft.com/office/infopath/2007/PartnerControls" targetNamespace="b1e4d6ee-9f6f-43f8-a618-24f3d84da28f" elementFormDefault="qualified">
+    <xsd:import namespace="http://schemas.microsoft.com/office/2006/documentManagement/types"/>
+    <xsd:import namespace="http://schemas.microsoft.com/office/infopath/2007/PartnerControls"/>
+    <xsd:element name="SharedWithUsers" ma:index="10" nillable="true" ma:displayName="Shared With" ma:internalName="SharedWithUsers" ma:readOnly="true">
+      <xsd:complexType>
+        <xsd:complexContent>
+          <xsd:extension base="dms:UserMulti">
+            <xsd:sequence>
+              <xsd:element name="UserInfo" minOccurs="0" maxOccurs="unbounded">
+                <xsd:complexType>
+                  <xsd:sequence>
+                    <xsd:element name="DisplayName" type="xsd:string" minOccurs="0"/>
+                    <xsd:element name="AccountId" type="dms:UserId" minOccurs="0" nillable="true"/>
+                    <xsd:element name="AccountType" type="xsd:string" minOccurs="0"/>
+                  </xsd:sequence>
+                </xsd:complexType>
+              </xsd:element>
+            </xsd:sequence>
+          </xsd:extension>
+        </xsd:complexContent>
+      </xsd:complexType>
+    </xsd:element>
+    <xsd:element name="SharedWithDetails" ma:index="11" nillable="true" ma:displayName="Shared With Details" ma:internalName="SharedWithDetails" ma:readOnly="true">
+      <xsd:simpleType>
+        <xsd:restriction base="dms:Note">
+          <xsd:maxLength value="255"/>
+        </xsd:restriction>
+      </xsd:simpleType>
+    </xsd:element>
+    <xsd:element name="LastSharedByUser" ma:index="12" nillable="true" ma:displayName="Last Shared By User" ma:hidden="true" ma:internalName="LastSharedByUser" ma:readOnly="true">
+      <xsd:simpleType>
+        <xsd:restriction base="dms:Note"/>
+      </xsd:simpleType>
+    </xsd:element>
+    <xsd:element name="LastSharedByTime" ma:index="13" nillable="true" ma:displayName="Last Shared By Time" ma:hidden="true" ma:internalName="LastSharedByTime" ma:readOnly="true">
+      <xsd:simpleType>
+        <xsd:restriction base="dms:DateTime"/>
+      </xsd:simpleType>
+    </xsd:element>
+  </xsd:schema>
+  <xsd:schema xmlns="http://schemas.openxmlformats.org/package/2006/metadata/core-properties" xmlns:xsd="http://www.w3.org/2001/XMLSchema" xmlns:xsi="http://www.w3.org/2001/XMLSchema-instance" xmlns:dc="http://purl.org/dc/elements/1.1/" xmlns:dcterms="http://purl.org/dc/terms/" xmlns:odoc="http://schemas.microsoft.com/internal/obd" targetNamespace="http://schemas.openxmlformats.org/package/2006/metadata/core-properties" elementFormDefault="qualified" attributeFormDefault="unqualified" blockDefault="#all">
+    <xsd:import namespace="http://purl.org/dc/elements/1.1/" schemaLocation="http://dublincore.org/schemas/xmls/qdc/2003/04/02/dc.xsd"/>
+    <xsd:import namespace="http://purl.org/dc/terms/" schemaLocation="http://dublincore.org/schemas/xmls/qdc/2003/04/02/dcterms.xsd"/>
+    <xsd:element name="coreProperties" type="CT_coreProperties"/>
+    <xsd:complexType name="CT_coreProperties">
+      <xsd:all>
+        <xsd:element ref="dc:creator" minOccurs="0" maxOccurs="1"/>
+        <xsd:element ref="dcterms:created" minOccurs="0" maxOccurs="1"/>
+        <xsd:element ref="dc:identifier" minOccurs="0" maxOccurs="1"/>
+        <xsd:element name="contentType" minOccurs="0" maxOccurs="1" type="xsd:string" ma:index="0" ma:displayName="Content Type"/>
+        <xsd:element ref="dc:title" minOccurs="0" maxOccurs="1" ma:index="4" ma:displayName="Title"/>
+        <xsd:element ref="dc:subject" minOccurs="0" maxOccurs="1"/>
+        <xsd:element ref="dc:description" minOccurs="0" maxOccurs="1"/>
+        <xsd:element name="keywords" minOccurs="0" maxOccurs="1" type="xsd:string"/>
+        <xsd:element ref="dc:language" minOccurs="0" maxOccurs="1"/>
+        <xsd:element name="category" minOccurs="0" maxOccurs="1" type="xsd:string"/>
+        <xsd:element name="version" minOccurs="0" maxOccurs="1" type="xsd:string"/>
+        <xsd:element name="revision" minOccurs="0" maxOccurs="1" type="xsd:string">
+          <xsd:annotation>
+            <xsd:documentation>
+                        This value indicates the number of saves or revisions. The application is responsible for updating this value after each revision.
+                    </xsd:documentation>
+          </xsd:annotation>
+        </xsd:element>
+        <xsd:element name="lastModifiedBy" minOccurs="0" maxOccurs="1" type="xsd:string"/>
+        <xsd:element ref="dcterms:modified" minOccurs="0" maxOccurs="1"/>
+        <xsd:element name="contentStatus" minOccurs="0" maxOccurs="1" type="xsd:string"/>
+      </xsd:all>
+    </xsd:complexType>
+  </xsd:schema>
+  <xs:schema xmlns:pc="http://schemas.microsoft.com/office/infopath/2007/PartnerControls" xmlns:xs="http://www.w3.org/2001/XMLSchema" targetNamespace="http://schemas.microsoft.com/office/infopath/2007/PartnerControls" elementFormDefault="qualified" attributeFormDefault="unqualified">
+    <xs:element name="Person">
+      <xs:complexType>
+        <xs:sequence>
+          <xs:element ref="pc:DisplayName" minOccurs="0"/>
+          <xs:element ref="pc:AccountId" minOccurs="0"/>
+          <xs:element ref="pc:AccountType" minOccurs="0"/>
+        </xs:sequence>
+      </xs:complexType>
+    </xs:element>
+    <xs:element name="DisplayName" type="xs:string"/>
+    <xs:element name="AccountId" type="xs:string"/>
+    <xs:element name="AccountType" type="xs:string"/>
+    <xs:element name="BDCAssociatedEntity">
+      <xs:complexType>
+        <xs:sequence>
+          <xs:element ref="pc:BDCEntity" minOccurs="0" maxOccurs="unbounded"/>
+        </xs:sequence>
+        <xs:attribute ref="pc:EntityNamespace"/>
+        <xs:attribute ref="pc:EntityName"/>
+        <xs:attribute ref="pc:SystemInstanceName"/>
+        <xs:attribute ref="pc:AssociationName"/>
+      </xs:complexType>
+    </xs:element>
+    <xs:attribute name="EntityNamespace" type="xs:string"/>
+    <xs:attribute name="EntityName" type="xs:string"/>
+    <xs:attribute name="SystemInstanceName" type="xs:string"/>
+    <xs:attribute name="AssociationName" type="xs:string"/>
+    <xs:element name="BDCEntity">
+      <xs:complexType>
+        <xs:sequence>
+          <xs:element ref="pc:EntityDisplayName" minOccurs="0"/>
+          <xs:element ref="pc:EntityInstanceReference" minOccurs="0"/>
+          <xs:element ref="pc:EntityId1" minOccurs="0"/>
+          <xs:element ref="pc:EntityId2" minOccurs="0"/>
+          <xs:element ref="pc:EntityId3" minOccurs="0"/>
+          <xs:element ref="pc:EntityId4" minOccurs="0"/>
+          <xs:element ref="pc:EntityId5" minOccurs="0"/>
+        </xs:sequence>
+      </xs:complexType>
+    </xs:element>
+    <xs:element name="EntityDisplayName" type="xs:string"/>
+    <xs:element name="EntityInstanceReference" type="xs:string"/>
+    <xs:element name="EntityId1" type="xs:string"/>
+    <xs:element name="EntityId2" type="xs:string"/>
+    <xs:element name="EntityId3" type="xs:string"/>
+    <xs:element name="EntityId4" type="xs:string"/>
+    <xs:element name="EntityId5" type="xs:string"/>
+    <xs:element name="Terms">
+      <xs:complexType>
+        <xs:sequence>
+          <xs:element ref="pc:TermInfo" minOccurs="0" maxOccurs="unbounded"/>
+        </xs:sequence>
+      </xs:complexType>
+    </xs:element>
+    <xs:element name="TermInfo">
+      <xs:complexType>
+        <xs:sequence>
+          <xs:element ref="pc:TermName" minOccurs="0"/>
+          <xs:element ref="pc:TermId" minOccurs="0"/>
+        </xs:sequence>
+      </xs:complexType>
+    </xs:element>
+    <xs:element name="TermName" type="xs:string"/>
+    <xs:element name="TermId" type="xs:string"/>
+  </xs:schema>
+</ct:contentTypeSchema>
+</file>
+
+<file path=customXml/itemProps1.xml><?xml version="1.0" encoding="utf-8"?>
+<ds:datastoreItem xmlns:ds="http://schemas.openxmlformats.org/officeDocument/2006/customXml" ds:itemID="{617AB1FA-2F28-4684-9230-02ACEB6C0B0A}">
+  <ds:schemaRefs>
+    <ds:schemaRef ds:uri="http://purl.org/dc/elements/1.1/"/>
+    <ds:schemaRef ds:uri="http://schemas.microsoft.com/office/2006/metadata/properties"/>
+    <ds:schemaRef ds:uri="b1e4d6ee-9f6f-43f8-a618-24f3d84da28f"/>
+    <ds:schemaRef ds:uri="http://schemas.microsoft.com/office/2006/documentManagement/types"/>
+    <ds:schemaRef ds:uri="http://purl.org/dc/terms/"/>
+    <ds:schemaRef ds:uri="http://schemas.openxmlformats.org/package/2006/metadata/core-properties"/>
+    <ds:schemaRef ds:uri="f577acbf-5b0b-4b4f-9948-268e97f8d3a4"/>
+    <ds:schemaRef ds:uri="http://purl.org/dc/dcmitype/"/>
+    <ds:schemaRef ds:uri="http://schemas.microsoft.com/office/infopath/2007/PartnerControls"/>
+    <ds:schemaRef ds:uri="http://www.w3.org/XML/1998/namespace"/>
+  </ds:schemaRefs>
+</ds:datastoreItem>
+</file>
+
+<file path=customXml/itemProps2.xml><?xml version="1.0" encoding="utf-8"?>
+<ds:datastoreItem xmlns:ds="http://schemas.openxmlformats.org/officeDocument/2006/customXml" ds:itemID="{E21AFCC0-734A-4A90-A597-A1CB34860DCD}">
+  <ds:schemaRefs>
+    <ds:schemaRef ds:uri="http://schemas.microsoft.com/sharepoint/v3/contenttype/forms"/>
+  </ds:schemaRefs>
+</ds:datastoreItem>
+</file>
+
+<file path=customXml/itemProps3.xml><?xml version="1.0" encoding="utf-8"?>
+<ds:datastoreItem xmlns:ds="http://schemas.openxmlformats.org/officeDocument/2006/customXml" ds:itemID="{1DD29C39-1C4E-4B06-A1F4-2510F2DACF6E}">
+  <ds:schemaRefs>
+    <ds:schemaRef ds:uri="http://schemas.microsoft.com/office/2006/metadata/contentType"/>
+    <ds:schemaRef ds:uri="http://schemas.microsoft.com/office/2006/metadata/properties/metaAttributes"/>
+    <ds:schemaRef ds:uri="http://www.w3.org/2001/XMLSchema"/>
+    <ds:schemaRef ds:uri="http://schemas.microsoft.com/office/2006/metadata/properties"/>
+    <ds:schemaRef ds:uri="f577acbf-5b0b-4b4f-9948-268e97f8d3a4"/>
+    <ds:schemaRef ds:uri="b1e4d6ee-9f6f-43f8-a618-24f3d84da28f"/>
+    <ds:schemaRef ds:uri="http://schemas.microsoft.com/office/2006/documentManagement/types"/>
+    <ds:schemaRef ds:uri="http://schemas.microsoft.com/office/infopath/2007/PartnerControls"/>
+    <ds:schemaRef ds:uri="http://schemas.openxmlformats.org/package/2006/metadata/core-properties"/>
+    <ds:schemaRef ds:uri="http://purl.org/dc/elements/1.1/"/>
+    <ds:schemaRef ds:uri="http://purl.org/dc/terms/"/>
+    <ds:schemaRef ds:uri="http://schemas.microsoft.com/internal/obd"/>
+  </ds:schemaRefs>
+</ds:datastoreItem>
 </file>